--- a/CHA05_MeteoWind_Wind-data-acquisition-process-publishing.pptx
+++ b/CHA05_MeteoWind_Wind-data-acquisition-process-publishing.pptx
@@ -4,17 +4,19 @@
   <p:sldMasterIdLst>
     <p:sldMasterId id="2147483648" r:id="rId1"/>
   </p:sldMasterIdLst>
+  <p:notesMasterIdLst>
+    <p:notesMasterId r:id="rId11"/>
+  </p:notesMasterIdLst>
   <p:sldIdLst>
     <p:sldId id="259" r:id="rId2"/>
-    <p:sldId id="269" r:id="rId3"/>
-    <p:sldId id="261" r:id="rId4"/>
-    <p:sldId id="263" r:id="rId5"/>
-    <p:sldId id="260" r:id="rId6"/>
-    <p:sldId id="264" r:id="rId7"/>
-    <p:sldId id="265" r:id="rId8"/>
-    <p:sldId id="256" r:id="rId9"/>
-    <p:sldId id="267" r:id="rId10"/>
-    <p:sldId id="270" r:id="rId11"/>
+    <p:sldId id="261" r:id="rId3"/>
+    <p:sldId id="263" r:id="rId4"/>
+    <p:sldId id="260" r:id="rId5"/>
+    <p:sldId id="264" r:id="rId6"/>
+    <p:sldId id="265" r:id="rId7"/>
+    <p:sldId id="256" r:id="rId8"/>
+    <p:sldId id="267" r:id="rId9"/>
+    <p:sldId id="270" r:id="rId10"/>
   </p:sldIdLst>
   <p:sldSz cx="12192000" cy="6858000"/>
   <p:notesSz cx="6858000" cy="9144000"/>
@@ -4203,6 +4205,356 @@
 </dgm:styleDef>
 </file>
 
+<file path=ppt/notesMasters/notesMaster1.xml><?xml version="1.0" encoding="utf-8"?>
+<p:notesMaster xmlns:a="http://schemas.openxmlformats.org/drawingml/2006/main" xmlns:r="http://schemas.openxmlformats.org/officeDocument/2006/relationships" xmlns:p="http://schemas.openxmlformats.org/presentationml/2006/main">
+  <p:cSld>
+    <p:bg>
+      <p:bgRef idx="1001">
+        <a:schemeClr val="bg1"/>
+      </p:bgRef>
+    </p:bg>
+    <p:spTree>
+      <p:nvGrpSpPr>
+        <p:cNvPr id="1" name=""/>
+        <p:cNvGrpSpPr/>
+        <p:nvPr/>
+      </p:nvGrpSpPr>
+      <p:grpSpPr>
+        <a:xfrm>
+          <a:off x="0" y="0"/>
+          <a:ext cx="0" cy="0"/>
+          <a:chOff x="0" y="0"/>
+          <a:chExt cx="0" cy="0"/>
+        </a:xfrm>
+      </p:grpSpPr>
+      <p:sp>
+        <p:nvSpPr>
+          <p:cNvPr id="2" name="Header Placeholder 1"/>
+          <p:cNvSpPr>
+            <a:spLocks noGrp="1"/>
+          </p:cNvSpPr>
+          <p:nvPr>
+            <p:ph type="hdr" sz="quarter"/>
+          </p:nvPr>
+        </p:nvSpPr>
+        <p:spPr>
+          <a:xfrm>
+            <a:off x="0" y="0"/>
+            <a:ext cx="2971800" cy="458788"/>
+          </a:xfrm>
+          <a:prstGeom prst="rect">
+            <a:avLst/>
+          </a:prstGeom>
+        </p:spPr>
+        <p:txBody>
+          <a:bodyPr vert="horz" lIns="91440" tIns="45720" rIns="91440" bIns="45720" rtlCol="0"/>
+          <a:lstStyle>
+            <a:lvl1pPr algn="l">
+              <a:defRPr sz="1200"/>
+            </a:lvl1pPr>
+          </a:lstStyle>
+          <a:p>
+            <a:endParaRPr lang="fr-FR"/>
+          </a:p>
+        </p:txBody>
+      </p:sp>
+      <p:sp>
+        <p:nvSpPr>
+          <p:cNvPr id="3" name="Date Placeholder 2"/>
+          <p:cNvSpPr>
+            <a:spLocks noGrp="1"/>
+          </p:cNvSpPr>
+          <p:nvPr>
+            <p:ph type="dt" idx="1"/>
+          </p:nvPr>
+        </p:nvSpPr>
+        <p:spPr>
+          <a:xfrm>
+            <a:off x="3884613" y="0"/>
+            <a:ext cx="2971800" cy="458788"/>
+          </a:xfrm>
+          <a:prstGeom prst="rect">
+            <a:avLst/>
+          </a:prstGeom>
+        </p:spPr>
+        <p:txBody>
+          <a:bodyPr vert="horz" lIns="91440" tIns="45720" rIns="91440" bIns="45720" rtlCol="0"/>
+          <a:lstStyle>
+            <a:lvl1pPr algn="r">
+              <a:defRPr sz="1200"/>
+            </a:lvl1pPr>
+          </a:lstStyle>
+          <a:p>
+            <a:fld id="{95FE770A-E7F7-4495-AB60-639652DC54F6}" type="datetimeFigureOut">
+              <a:rPr lang="fr-FR" smtClean="0"/>
+              <a:t>07/11/2021</a:t>
+            </a:fld>
+            <a:endParaRPr lang="fr-FR"/>
+          </a:p>
+        </p:txBody>
+      </p:sp>
+      <p:sp>
+        <p:nvSpPr>
+          <p:cNvPr id="4" name="Slide Image Placeholder 3"/>
+          <p:cNvSpPr>
+            <a:spLocks noGrp="1" noRot="1" noChangeAspect="1"/>
+          </p:cNvSpPr>
+          <p:nvPr>
+            <p:ph type="sldImg" idx="2"/>
+          </p:nvPr>
+        </p:nvSpPr>
+        <p:spPr>
+          <a:xfrm>
+            <a:off x="685800" y="1143000"/>
+            <a:ext cx="5486400" cy="3086100"/>
+          </a:xfrm>
+          <a:prstGeom prst="rect">
+            <a:avLst/>
+          </a:prstGeom>
+          <a:noFill/>
+          <a:ln w="12700">
+            <a:solidFill>
+              <a:prstClr val="black"/>
+            </a:solidFill>
+          </a:ln>
+        </p:spPr>
+        <p:txBody>
+          <a:bodyPr vert="horz" lIns="91440" tIns="45720" rIns="91440" bIns="45720" rtlCol="0" anchor="ctr"/>
+          <a:lstStyle/>
+          <a:p>
+            <a:endParaRPr lang="fr-FR"/>
+          </a:p>
+        </p:txBody>
+      </p:sp>
+      <p:sp>
+        <p:nvSpPr>
+          <p:cNvPr id="5" name="Notes Placeholder 4"/>
+          <p:cNvSpPr>
+            <a:spLocks noGrp="1"/>
+          </p:cNvSpPr>
+          <p:nvPr>
+            <p:ph type="body" sz="quarter" idx="3"/>
+          </p:nvPr>
+        </p:nvSpPr>
+        <p:spPr>
+          <a:xfrm>
+            <a:off x="685800" y="4400550"/>
+            <a:ext cx="5486400" cy="3600450"/>
+          </a:xfrm>
+          <a:prstGeom prst="rect">
+            <a:avLst/>
+          </a:prstGeom>
+        </p:spPr>
+        <p:txBody>
+          <a:bodyPr vert="horz" lIns="91440" tIns="45720" rIns="91440" bIns="45720" rtlCol="0"/>
+          <a:lstStyle/>
+          <a:p>
+            <a:pPr lvl="0"/>
+            <a:r>
+              <a:rPr lang="en-US"/>
+              <a:t>Click to edit Master text styles</a:t>
+            </a:r>
+          </a:p>
+          <a:p>
+            <a:pPr lvl="1"/>
+            <a:r>
+              <a:rPr lang="en-US"/>
+              <a:t>Second level</a:t>
+            </a:r>
+          </a:p>
+          <a:p>
+            <a:pPr lvl="2"/>
+            <a:r>
+              <a:rPr lang="en-US"/>
+              <a:t>Third level</a:t>
+            </a:r>
+          </a:p>
+          <a:p>
+            <a:pPr lvl="3"/>
+            <a:r>
+              <a:rPr lang="en-US"/>
+              <a:t>Fourth level</a:t>
+            </a:r>
+          </a:p>
+          <a:p>
+            <a:pPr lvl="4"/>
+            <a:r>
+              <a:rPr lang="en-US"/>
+              <a:t>Fifth level</a:t>
+            </a:r>
+            <a:endParaRPr lang="fr-FR"/>
+          </a:p>
+        </p:txBody>
+      </p:sp>
+      <p:sp>
+        <p:nvSpPr>
+          <p:cNvPr id="6" name="Footer Placeholder 5"/>
+          <p:cNvSpPr>
+            <a:spLocks noGrp="1"/>
+          </p:cNvSpPr>
+          <p:nvPr>
+            <p:ph type="ftr" sz="quarter" idx="4"/>
+          </p:nvPr>
+        </p:nvSpPr>
+        <p:spPr>
+          <a:xfrm>
+            <a:off x="0" y="8685213"/>
+            <a:ext cx="2971800" cy="458787"/>
+          </a:xfrm>
+          <a:prstGeom prst="rect">
+            <a:avLst/>
+          </a:prstGeom>
+        </p:spPr>
+        <p:txBody>
+          <a:bodyPr vert="horz" lIns="91440" tIns="45720" rIns="91440" bIns="45720" rtlCol="0" anchor="b"/>
+          <a:lstStyle>
+            <a:lvl1pPr algn="l">
+              <a:defRPr sz="1200"/>
+            </a:lvl1pPr>
+          </a:lstStyle>
+          <a:p>
+            <a:endParaRPr lang="fr-FR"/>
+          </a:p>
+        </p:txBody>
+      </p:sp>
+      <p:sp>
+        <p:nvSpPr>
+          <p:cNvPr id="7" name="Slide Number Placeholder 6"/>
+          <p:cNvSpPr>
+            <a:spLocks noGrp="1"/>
+          </p:cNvSpPr>
+          <p:nvPr>
+            <p:ph type="sldNum" sz="quarter" idx="5"/>
+          </p:nvPr>
+        </p:nvSpPr>
+        <p:spPr>
+          <a:xfrm>
+            <a:off x="3884613" y="8685213"/>
+            <a:ext cx="2971800" cy="458787"/>
+          </a:xfrm>
+          <a:prstGeom prst="rect">
+            <a:avLst/>
+          </a:prstGeom>
+        </p:spPr>
+        <p:txBody>
+          <a:bodyPr vert="horz" lIns="91440" tIns="45720" rIns="91440" bIns="45720" rtlCol="0" anchor="b"/>
+          <a:lstStyle>
+            <a:lvl1pPr algn="r">
+              <a:defRPr sz="1200"/>
+            </a:lvl1pPr>
+          </a:lstStyle>
+          <a:p>
+            <a:fld id="{31BF6379-6D14-4729-9715-06294709F2FE}" type="slidenum">
+              <a:rPr lang="fr-FR" smtClean="0"/>
+              <a:t>‹#›</a:t>
+            </a:fld>
+            <a:endParaRPr lang="fr-FR"/>
+          </a:p>
+        </p:txBody>
+      </p:sp>
+    </p:spTree>
+    <p:extLst>
+      <p:ext uri="{BB962C8B-B14F-4D97-AF65-F5344CB8AC3E}">
+        <p14:creationId xmlns:p14="http://schemas.microsoft.com/office/powerpoint/2010/main" val="468852701"/>
+      </p:ext>
+    </p:extLst>
+  </p:cSld>
+  <p:clrMap bg1="lt1" tx1="dk1" bg2="lt2" tx2="dk2" accent1="accent1" accent2="accent2" accent3="accent3" accent4="accent4" accent5="accent5" accent6="accent6" hlink="hlink" folHlink="folHlink"/>
+  <p:notesStyle>
+    <a:lvl1pPr marL="0" algn="l" defTabSz="914400" rtl="0" eaLnBrk="1" latinLnBrk="0" hangingPunct="1">
+      <a:defRPr sz="1200" kern="1200">
+        <a:solidFill>
+          <a:schemeClr val="tx1"/>
+        </a:solidFill>
+        <a:latin typeface="+mn-lt"/>
+        <a:ea typeface="+mn-ea"/>
+        <a:cs typeface="+mn-cs"/>
+      </a:defRPr>
+    </a:lvl1pPr>
+    <a:lvl2pPr marL="457200" algn="l" defTabSz="914400" rtl="0" eaLnBrk="1" latinLnBrk="0" hangingPunct="1">
+      <a:defRPr sz="1200" kern="1200">
+        <a:solidFill>
+          <a:schemeClr val="tx1"/>
+        </a:solidFill>
+        <a:latin typeface="+mn-lt"/>
+        <a:ea typeface="+mn-ea"/>
+        <a:cs typeface="+mn-cs"/>
+      </a:defRPr>
+    </a:lvl2pPr>
+    <a:lvl3pPr marL="914400" algn="l" defTabSz="914400" rtl="0" eaLnBrk="1" latinLnBrk="0" hangingPunct="1">
+      <a:defRPr sz="1200" kern="1200">
+        <a:solidFill>
+          <a:schemeClr val="tx1"/>
+        </a:solidFill>
+        <a:latin typeface="+mn-lt"/>
+        <a:ea typeface="+mn-ea"/>
+        <a:cs typeface="+mn-cs"/>
+      </a:defRPr>
+    </a:lvl3pPr>
+    <a:lvl4pPr marL="1371600" algn="l" defTabSz="914400" rtl="0" eaLnBrk="1" latinLnBrk="0" hangingPunct="1">
+      <a:defRPr sz="1200" kern="1200">
+        <a:solidFill>
+          <a:schemeClr val="tx1"/>
+        </a:solidFill>
+        <a:latin typeface="+mn-lt"/>
+        <a:ea typeface="+mn-ea"/>
+        <a:cs typeface="+mn-cs"/>
+      </a:defRPr>
+    </a:lvl4pPr>
+    <a:lvl5pPr marL="1828800" algn="l" defTabSz="914400" rtl="0" eaLnBrk="1" latinLnBrk="0" hangingPunct="1">
+      <a:defRPr sz="1200" kern="1200">
+        <a:solidFill>
+          <a:schemeClr val="tx1"/>
+        </a:solidFill>
+        <a:latin typeface="+mn-lt"/>
+        <a:ea typeface="+mn-ea"/>
+        <a:cs typeface="+mn-cs"/>
+      </a:defRPr>
+    </a:lvl5pPr>
+    <a:lvl6pPr marL="2286000" algn="l" defTabSz="914400" rtl="0" eaLnBrk="1" latinLnBrk="0" hangingPunct="1">
+      <a:defRPr sz="1200" kern="1200">
+        <a:solidFill>
+          <a:schemeClr val="tx1"/>
+        </a:solidFill>
+        <a:latin typeface="+mn-lt"/>
+        <a:ea typeface="+mn-ea"/>
+        <a:cs typeface="+mn-cs"/>
+      </a:defRPr>
+    </a:lvl6pPr>
+    <a:lvl7pPr marL="2743200" algn="l" defTabSz="914400" rtl="0" eaLnBrk="1" latinLnBrk="0" hangingPunct="1">
+      <a:defRPr sz="1200" kern="1200">
+        <a:solidFill>
+          <a:schemeClr val="tx1"/>
+        </a:solidFill>
+        <a:latin typeface="+mn-lt"/>
+        <a:ea typeface="+mn-ea"/>
+        <a:cs typeface="+mn-cs"/>
+      </a:defRPr>
+    </a:lvl7pPr>
+    <a:lvl8pPr marL="3200400" algn="l" defTabSz="914400" rtl="0" eaLnBrk="1" latinLnBrk="0" hangingPunct="1">
+      <a:defRPr sz="1200" kern="1200">
+        <a:solidFill>
+          <a:schemeClr val="tx1"/>
+        </a:solidFill>
+        <a:latin typeface="+mn-lt"/>
+        <a:ea typeface="+mn-ea"/>
+        <a:cs typeface="+mn-cs"/>
+      </a:defRPr>
+    </a:lvl8pPr>
+    <a:lvl9pPr marL="3657600" algn="l" defTabSz="914400" rtl="0" eaLnBrk="1" latinLnBrk="0" hangingPunct="1">
+      <a:defRPr sz="1200" kern="1200">
+        <a:solidFill>
+          <a:schemeClr val="tx1"/>
+        </a:solidFill>
+        <a:latin typeface="+mn-lt"/>
+        <a:ea typeface="+mn-ea"/>
+        <a:cs typeface="+mn-cs"/>
+      </a:defRPr>
+    </a:lvl9pPr>
+  </p:notesStyle>
+</p:notesMaster>
+</file>
+
 <file path=ppt/slideLayouts/slideLayout1.xml><?xml version="1.0" encoding="utf-8"?>
 <p:sldLayout xmlns:a="http://schemas.openxmlformats.org/drawingml/2006/main" xmlns:r="http://schemas.openxmlformats.org/officeDocument/2006/relationships" xmlns:p="http://schemas.openxmlformats.org/presentationml/2006/main" type="title" preserve="1">
   <p:cSld name="Diapositive de titre">
@@ -4404,7 +4756,7 @@
           <a:p>
             <a:fld id="{5034E6F6-1337-422C-AE76-7C66CA27ECAA}" type="slidenum">
               <a:rPr lang="fr-FR" smtClean="0"/>
-              <a:t>‹N°›</a:t>
+              <a:t>‹#›</a:t>
             </a:fld>
             <a:endParaRPr lang="fr-FR"/>
           </a:p>
@@ -4602,7 +4954,7 @@
           <a:p>
             <a:fld id="{5034E6F6-1337-422C-AE76-7C66CA27ECAA}" type="slidenum">
               <a:rPr lang="fr-FR" smtClean="0"/>
-              <a:t>‹N°›</a:t>
+              <a:t>‹#›</a:t>
             </a:fld>
             <a:endParaRPr lang="fr-FR"/>
           </a:p>
@@ -4810,7 +5162,7 @@
           <a:p>
             <a:fld id="{5034E6F6-1337-422C-AE76-7C66CA27ECAA}" type="slidenum">
               <a:rPr lang="fr-FR" smtClean="0"/>
-              <a:t>‹N°›</a:t>
+              <a:t>‹#›</a:t>
             </a:fld>
             <a:endParaRPr lang="fr-FR"/>
           </a:p>
@@ -5008,7 +5360,7 @@
           <a:p>
             <a:fld id="{5034E6F6-1337-422C-AE76-7C66CA27ECAA}" type="slidenum">
               <a:rPr lang="fr-FR" smtClean="0"/>
-              <a:t>‹N°›</a:t>
+              <a:t>‹#›</a:t>
             </a:fld>
             <a:endParaRPr lang="fr-FR"/>
           </a:p>
@@ -5283,7 +5635,7 @@
           <a:p>
             <a:fld id="{5034E6F6-1337-422C-AE76-7C66CA27ECAA}" type="slidenum">
               <a:rPr lang="fr-FR" smtClean="0"/>
-              <a:t>‹N°›</a:t>
+              <a:t>‹#›</a:t>
             </a:fld>
             <a:endParaRPr lang="fr-FR"/>
           </a:p>
@@ -5548,7 +5900,7 @@
           <a:p>
             <a:fld id="{5034E6F6-1337-422C-AE76-7C66CA27ECAA}" type="slidenum">
               <a:rPr lang="fr-FR" smtClean="0"/>
-              <a:t>‹N°›</a:t>
+              <a:t>‹#›</a:t>
             </a:fld>
             <a:endParaRPr lang="fr-FR"/>
           </a:p>
@@ -5960,7 +6312,7 @@
           <a:p>
             <a:fld id="{5034E6F6-1337-422C-AE76-7C66CA27ECAA}" type="slidenum">
               <a:rPr lang="fr-FR" smtClean="0"/>
-              <a:t>‹N°›</a:t>
+              <a:t>‹#›</a:t>
             </a:fld>
             <a:endParaRPr lang="fr-FR"/>
           </a:p>
@@ -6101,7 +6453,7 @@
           <a:p>
             <a:fld id="{5034E6F6-1337-422C-AE76-7C66CA27ECAA}" type="slidenum">
               <a:rPr lang="fr-FR" smtClean="0"/>
-              <a:t>‹N°›</a:t>
+              <a:t>‹#›</a:t>
             </a:fld>
             <a:endParaRPr lang="fr-FR"/>
           </a:p>
@@ -6214,7 +6566,7 @@
           <a:p>
             <a:fld id="{5034E6F6-1337-422C-AE76-7C66CA27ECAA}" type="slidenum">
               <a:rPr lang="fr-FR" smtClean="0"/>
-              <a:t>‹N°›</a:t>
+              <a:t>‹#›</a:t>
             </a:fld>
             <a:endParaRPr lang="fr-FR"/>
           </a:p>
@@ -6525,7 +6877,7 @@
           <a:p>
             <a:fld id="{5034E6F6-1337-422C-AE76-7C66CA27ECAA}" type="slidenum">
               <a:rPr lang="fr-FR" smtClean="0"/>
-              <a:t>‹N°›</a:t>
+              <a:t>‹#›</a:t>
             </a:fld>
             <a:endParaRPr lang="fr-FR"/>
           </a:p>
@@ -6813,7 +7165,7 @@
           <a:p>
             <a:fld id="{5034E6F6-1337-422C-AE76-7C66CA27ECAA}" type="slidenum">
               <a:rPr lang="fr-FR" smtClean="0"/>
-              <a:t>‹N°›</a:t>
+              <a:t>‹#›</a:t>
             </a:fld>
             <a:endParaRPr lang="fr-FR"/>
           </a:p>
@@ -7090,7 +7442,7 @@
           <a:p>
             <a:fld id="{5034E6F6-1337-422C-AE76-7C66CA27ECAA}" type="slidenum">
               <a:rPr lang="fr-FR" smtClean="0"/>
-              <a:t>‹N°›</a:t>
+              <a:t>‹#›</a:t>
             </a:fld>
             <a:endParaRPr lang="fr-FR"/>
           </a:p>
@@ -7572,7 +7924,7 @@
           <a:lstStyle/>
           <a:p>
             <a:pPr algn="ctr"/>
-            <a:endParaRPr lang="fr-FR"/>
+            <a:endParaRPr lang="fr-FR" dirty="0"/>
           </a:p>
         </p:txBody>
       </p:sp>
@@ -7621,15 +7973,17 @@
               </a:ext>
             </a:extLst>
           </p:cNvPr>
-          <p:cNvGrpSpPr/>
+          <p:cNvGrpSpPr>
+            <a:grpSpLocks noChangeAspect="1"/>
+          </p:cNvGrpSpPr>
           <p:nvPr/>
         </p:nvGrpSpPr>
         <p:grpSpPr>
           <a:xfrm>
-            <a:off x="278572" y="4820164"/>
-            <a:ext cx="6978868" cy="1802308"/>
-            <a:chOff x="77714" y="4326509"/>
-            <a:chExt cx="8041050" cy="2250272"/>
+            <a:off x="265866" y="4820159"/>
+            <a:ext cx="8179911" cy="2213285"/>
+            <a:chOff x="56105" y="4326509"/>
+            <a:chExt cx="8122679" cy="2381592"/>
           </a:xfrm>
         </p:grpSpPr>
         <p:sp>
@@ -8045,8 +8399,8 @@
           </p:nvSpPr>
           <p:spPr>
             <a:xfrm>
-              <a:off x="241107" y="5829718"/>
-              <a:ext cx="1289194" cy="523220"/>
+              <a:off x="56105" y="5568124"/>
+              <a:ext cx="1838570" cy="496772"/>
             </a:xfrm>
             <a:prstGeom prst="rect">
               <a:avLst/>
@@ -8060,9 +8414,25 @@
             <a:lstStyle/>
             <a:p>
               <a:r>
-                <a:rPr lang="fr-FR" sz="1400" dirty="0"/>
-                <a:t>LAMANI Bouabdellah</a:t>
+                <a:rPr lang="fr-FR" sz="1200" dirty="0"/>
+                <a:t>LAMANI </a:t>
               </a:r>
+              <a:r>
+                <a:rPr lang="fr-FR" sz="1200" dirty="0" err="1"/>
+                <a:t>Bouabdellah</a:t>
+              </a:r>
+              <a:endParaRPr lang="fr-FR" sz="1200" dirty="0"/>
+            </a:p>
+            <a:p>
+              <a:r>
+                <a:rPr lang="fr-FR" sz="1200" dirty="0"/>
+                <a:t>Web-GIS </a:t>
+              </a:r>
+              <a:r>
+                <a:rPr lang="fr-FR" sz="1200" dirty="0" err="1"/>
+                <a:t>engineer</a:t>
+              </a:r>
+              <a:endParaRPr lang="fr-FR" sz="1200" dirty="0"/>
             </a:p>
           </p:txBody>
         </p:sp>
@@ -8080,8 +8450,8 @@
           </p:nvSpPr>
           <p:spPr>
             <a:xfrm>
-              <a:off x="3444961" y="5829718"/>
-              <a:ext cx="1289194" cy="523220"/>
+              <a:off x="3324306" y="5558248"/>
+              <a:ext cx="1771862" cy="806978"/>
             </a:xfrm>
             <a:prstGeom prst="rect">
               <a:avLst/>
@@ -8095,14 +8465,28 @@
             <a:lstStyle/>
             <a:p>
               <a:r>
-                <a:rPr lang="fr-FR" sz="1400" dirty="0"/>
-                <a:t>TIAZARA</a:t>
+                <a:rPr lang="fr-FR" sz="1200" dirty="0"/>
+                <a:t>TIAZARA Gaëtan </a:t>
               </a:r>
             </a:p>
             <a:p>
               <a:r>
-                <a:rPr lang="fr-FR" sz="1400" dirty="0"/>
-                <a:t>Gaëtan        </a:t>
+                <a:rPr lang="fr-FR" sz="1200" dirty="0"/>
+                <a:t>Élève Ingénieur </a:t>
+              </a:r>
+            </a:p>
+            <a:p>
+              <a:r>
+                <a:rPr lang="fr-FR" sz="1200" dirty="0"/>
+                <a:t>2</a:t>
+              </a:r>
+              <a:r>
+                <a:rPr lang="fr-FR" sz="1200" baseline="30000" dirty="0"/>
+                <a:t>ième</a:t>
+              </a:r>
+              <a:r>
+                <a:rPr lang="fr-FR" sz="1200" dirty="0"/>
+                <a:t> année ENSG       </a:t>
               </a:r>
             </a:p>
           </p:txBody>
@@ -8121,8 +8505,8 @@
           </p:nvSpPr>
           <p:spPr>
             <a:xfrm>
-              <a:off x="5090294" y="5829478"/>
-              <a:ext cx="1289194" cy="738664"/>
+              <a:off x="4981374" y="5603983"/>
+              <a:ext cx="1838570" cy="695481"/>
             </a:xfrm>
             <a:prstGeom prst="rect">
               <a:avLst/>
@@ -8136,12 +8520,18 @@
             <a:lstStyle/>
             <a:p>
               <a:r>
-                <a:rPr lang="fr-FR" sz="1400" dirty="0"/>
+                <a:rPr lang="fr-FR" sz="1200" dirty="0"/>
                 <a:t>MERZOUK Gaya</a:t>
               </a:r>
             </a:p>
             <a:p>
-              <a:endParaRPr lang="fr-FR" sz="1400" dirty="0"/>
+              <a:r>
+                <a:rPr lang="fr-FR" sz="1200" dirty="0"/>
+                <a:t>SIG</a:t>
+              </a:r>
+            </a:p>
+            <a:p>
+              <a:endParaRPr lang="fr-FR" sz="1200" dirty="0"/>
             </a:p>
           </p:txBody>
         </p:sp>
@@ -8159,8 +8549,8 @@
           </p:nvSpPr>
           <p:spPr>
             <a:xfrm>
-              <a:off x="6721827" y="5838117"/>
-              <a:ext cx="1289194" cy="738664"/>
+              <a:off x="6556678" y="5615203"/>
+              <a:ext cx="1622106" cy="1092898"/>
             </a:xfrm>
             <a:prstGeom prst="rect">
               <a:avLst/>
@@ -8174,12 +8564,24 @@
             <a:lstStyle/>
             <a:p>
               <a:r>
-                <a:rPr lang="fr-FR" sz="1400" dirty="0"/>
+                <a:rPr lang="fr-FR" sz="1200" dirty="0"/>
                 <a:t>TOURNIER Thibault</a:t>
               </a:r>
             </a:p>
             <a:p>
-              <a:endParaRPr lang="fr-FR" sz="1400" dirty="0"/>
+              <a:r>
+                <a:rPr lang="fr-FR" sz="1200" dirty="0"/>
+                <a:t>Enseignant </a:t>
+              </a:r>
+            </a:p>
+            <a:p>
+              <a:r>
+                <a:rPr lang="fr-FR" sz="1200" dirty="0"/>
+                <a:t>(en formation Data Science)</a:t>
+              </a:r>
+            </a:p>
+            <a:p>
+              <a:endParaRPr lang="fr-FR" sz="1200" dirty="0"/>
             </a:p>
           </p:txBody>
         </p:sp>
@@ -8197,8 +8599,8 @@
           </p:nvSpPr>
           <p:spPr>
             <a:xfrm>
-              <a:off x="1806544" y="5838117"/>
-              <a:ext cx="1289194" cy="738664"/>
+              <a:off x="1590322" y="5568124"/>
+              <a:ext cx="1505418" cy="1092898"/>
             </a:xfrm>
             <a:prstGeom prst="rect">
               <a:avLst/>
@@ -8212,16 +8614,195 @@
             <a:lstStyle/>
             <a:p>
               <a:r>
-                <a:rPr lang="fr-FR" sz="1400" dirty="0"/>
+                <a:rPr lang="fr-FR" sz="1200" dirty="0"/>
                 <a:t>GALLARDO Cristobal</a:t>
               </a:r>
             </a:p>
             <a:p>
-              <a:endParaRPr lang="fr-FR" sz="1400" dirty="0"/>
+              <a:r>
+                <a:rPr lang="fr-FR" sz="1200" dirty="0"/>
+                <a:t>Ingénieur Structures </a:t>
+              </a:r>
+            </a:p>
+            <a:p>
+              <a:r>
+                <a:rPr lang="fr-FR" sz="1200" dirty="0"/>
+                <a:t>(en formation Data Science)</a:t>
+              </a:r>
+            </a:p>
+            <a:p>
+              <a:endParaRPr lang="fr-FR" sz="1200" dirty="0"/>
             </a:p>
           </p:txBody>
         </p:sp>
       </p:grpSp>
+      <p:sp>
+        <p:nvSpPr>
+          <p:cNvPr id="4" name="TextBox 3">
+            <a:extLst>
+              <a:ext uri="{FF2B5EF4-FFF2-40B4-BE49-F238E27FC236}">
+                <a16:creationId xmlns:a16="http://schemas.microsoft.com/office/drawing/2014/main" id="{057D648D-1CE9-4FC9-9E75-0136FECDD137}"/>
+              </a:ext>
+            </a:extLst>
+          </p:cNvPr>
+          <p:cNvSpPr txBox="1"/>
+          <p:nvPr/>
+        </p:nvSpPr>
+        <p:spPr>
+          <a:xfrm>
+            <a:off x="10764860" y="6456140"/>
+            <a:ext cx="1427140" cy="276999"/>
+          </a:xfrm>
+          <a:prstGeom prst="rect">
+            <a:avLst/>
+          </a:prstGeom>
+          <a:noFill/>
+        </p:spPr>
+        <p:txBody>
+          <a:bodyPr wrap="square" rtlCol="0">
+            <a:spAutoFit/>
+          </a:bodyPr>
+          <a:lstStyle/>
+          <a:p>
+            <a:r>
+              <a:rPr lang="es-ES" sz="1200" dirty="0" err="1">
+                <a:solidFill>
+                  <a:schemeClr val="bg1"/>
+                </a:solidFill>
+              </a:rPr>
+              <a:t>Image</a:t>
+            </a:r>
+            <a:r>
+              <a:rPr lang="es-ES" sz="1200" dirty="0">
+                <a:solidFill>
+                  <a:schemeClr val="bg1"/>
+                </a:solidFill>
+              </a:rPr>
+              <a:t> © </a:t>
+            </a:r>
+            <a:r>
+              <a:rPr lang="es-ES" sz="1200" dirty="0" err="1">
+                <a:solidFill>
+                  <a:schemeClr val="bg1"/>
+                </a:solidFill>
+              </a:rPr>
+              <a:t>Saipem</a:t>
+            </a:r>
+            <a:endParaRPr lang="fr-FR" sz="1200" dirty="0">
+              <a:solidFill>
+                <a:schemeClr val="bg1"/>
+              </a:solidFill>
+            </a:endParaRPr>
+          </a:p>
+        </p:txBody>
+      </p:sp>
+      <p:sp>
+        <p:nvSpPr>
+          <p:cNvPr id="22" name="TextBox 21">
+            <a:extLst>
+              <a:ext uri="{FF2B5EF4-FFF2-40B4-BE49-F238E27FC236}">
+                <a16:creationId xmlns:a16="http://schemas.microsoft.com/office/drawing/2014/main" id="{08172B54-4F91-4BA6-9320-F28592C5A1A8}"/>
+              </a:ext>
+            </a:extLst>
+          </p:cNvPr>
+          <p:cNvSpPr txBox="1"/>
+          <p:nvPr/>
+        </p:nvSpPr>
+        <p:spPr>
+          <a:xfrm>
+            <a:off x="11303612" y="6211182"/>
+            <a:ext cx="766707" cy="276999"/>
+          </a:xfrm>
+          <a:prstGeom prst="rect">
+            <a:avLst/>
+          </a:prstGeom>
+          <a:noFill/>
+        </p:spPr>
+        <p:txBody>
+          <a:bodyPr wrap="square" rtlCol="0">
+            <a:spAutoFit/>
+          </a:bodyPr>
+          <a:lstStyle/>
+          <a:p>
+            <a:r>
+              <a:rPr lang="es-ES" sz="1200" dirty="0" err="1">
+                <a:solidFill>
+                  <a:schemeClr val="bg1"/>
+                </a:solidFill>
+                <a:highlight>
+                  <a:srgbClr val="000000"/>
+                </a:highlight>
+              </a:rPr>
+              <a:t>Slide</a:t>
+            </a:r>
+            <a:r>
+              <a:rPr lang="es-ES" sz="1200" dirty="0">
+                <a:solidFill>
+                  <a:schemeClr val="bg1"/>
+                </a:solidFill>
+                <a:highlight>
+                  <a:srgbClr val="000000"/>
+                </a:highlight>
+              </a:rPr>
+              <a:t> #</a:t>
+            </a:r>
+            <a:fld id="{E4BFFA03-8967-4DF2-A787-DF27C88B15DD}" type="slidenum">
+              <a:rPr lang="es-ES" sz="1200" smtClean="0">
+                <a:solidFill>
+                  <a:schemeClr val="bg1"/>
+                </a:solidFill>
+                <a:highlight>
+                  <a:srgbClr val="000000"/>
+                </a:highlight>
+              </a:rPr>
+              <a:t>1</a:t>
+            </a:fld>
+            <a:endParaRPr lang="fr-FR" sz="1200" dirty="0">
+              <a:solidFill>
+                <a:schemeClr val="bg1"/>
+              </a:solidFill>
+              <a:highlight>
+                <a:srgbClr val="000000"/>
+              </a:highlight>
+            </a:endParaRPr>
+          </a:p>
+        </p:txBody>
+      </p:sp>
+      <p:pic>
+        <p:nvPicPr>
+          <p:cNvPr id="14" name="Picture 13">
+            <a:extLst>
+              <a:ext uri="{FF2B5EF4-FFF2-40B4-BE49-F238E27FC236}">
+                <a16:creationId xmlns:a16="http://schemas.microsoft.com/office/drawing/2014/main" id="{95A2B330-AFDB-4029-8E95-02EC87F60847}"/>
+              </a:ext>
+            </a:extLst>
+          </p:cNvPr>
+          <p:cNvPicPr>
+            <a:picLocks noChangeAspect="1"/>
+          </p:cNvPicPr>
+          <p:nvPr/>
+        </p:nvPicPr>
+        <p:blipFill rotWithShape="1">
+          <a:blip r:embed="rId9">
+            <a:extLst>
+              <a:ext uri="{28A0092B-C50C-407E-A947-70E740481C1C}">
+                <a14:useLocalDpi xmlns:a14="http://schemas.microsoft.com/office/drawing/2010/main" val="0"/>
+              </a:ext>
+            </a:extLst>
+          </a:blip>
+          <a:srcRect l="36194" t="36167" r="35481" b="11750"/>
+          <a:stretch/>
+        </p:blipFill>
+        <p:spPr>
+          <a:xfrm>
+            <a:off x="285444" y="109156"/>
+            <a:ext cx="1762067" cy="4580726"/>
+          </a:xfrm>
+          <a:prstGeom prst="rect">
+            <a:avLst/>
+          </a:prstGeom>
+        </p:spPr>
+      </p:pic>
     </p:spTree>
     <p:extLst>
       <p:ext uri="{BB962C8B-B14F-4D97-AF65-F5344CB8AC3E}">
@@ -8235,1380 +8816,7 @@
 </p:sld>
 </file>
 
-<file path=ppt/slides/slide10.xml><?xml version="1.0" encoding="utf-8"?>
-<p:sld xmlns:a="http://schemas.openxmlformats.org/drawingml/2006/main" xmlns:r="http://schemas.openxmlformats.org/officeDocument/2006/relationships" xmlns:p="http://schemas.openxmlformats.org/presentationml/2006/main">
-  <p:cSld>
-    <p:spTree>
-      <p:nvGrpSpPr>
-        <p:cNvPr id="1" name=""/>
-        <p:cNvGrpSpPr/>
-        <p:nvPr/>
-      </p:nvGrpSpPr>
-      <p:grpSpPr>
-        <a:xfrm>
-          <a:off x="0" y="0"/>
-          <a:ext cx="0" cy="0"/>
-          <a:chOff x="0" y="0"/>
-          <a:chExt cx="0" cy="0"/>
-        </a:xfrm>
-      </p:grpSpPr>
-      <p:sp>
-        <p:nvSpPr>
-          <p:cNvPr id="2" name="ZoneTexte 1">
-            <a:extLst>
-              <a:ext uri="{FF2B5EF4-FFF2-40B4-BE49-F238E27FC236}">
-                <a16:creationId xmlns:a16="http://schemas.microsoft.com/office/drawing/2014/main" id="{59F477A1-EC8A-49F5-A82B-340F62481C94}"/>
-              </a:ext>
-            </a:extLst>
-          </p:cNvPr>
-          <p:cNvSpPr txBox="1"/>
-          <p:nvPr/>
-        </p:nvSpPr>
-        <p:spPr>
-          <a:xfrm>
-            <a:off x="1577494" y="1978389"/>
-            <a:ext cx="3382392" cy="769441"/>
-          </a:xfrm>
-          <a:prstGeom prst="rect">
-            <a:avLst/>
-          </a:prstGeom>
-          <a:noFill/>
-        </p:spPr>
-        <p:txBody>
-          <a:bodyPr wrap="square" rtlCol="0">
-            <a:spAutoFit/>
-          </a:bodyPr>
-          <a:lstStyle/>
-          <a:p>
-            <a:r>
-              <a:rPr lang="fr-FR" sz="4400" dirty="0"/>
-              <a:t>Questions ?</a:t>
-            </a:r>
-          </a:p>
-        </p:txBody>
-      </p:sp>
-      <p:grpSp>
-        <p:nvGrpSpPr>
-          <p:cNvPr id="3" name="Groupe 2">
-            <a:extLst>
-              <a:ext uri="{FF2B5EF4-FFF2-40B4-BE49-F238E27FC236}">
-                <a16:creationId xmlns:a16="http://schemas.microsoft.com/office/drawing/2014/main" id="{169EF305-199C-45FC-ABF6-17240DCCD38F}"/>
-              </a:ext>
-            </a:extLst>
-          </p:cNvPr>
-          <p:cNvGrpSpPr/>
-          <p:nvPr/>
-        </p:nvGrpSpPr>
-        <p:grpSpPr>
-          <a:xfrm>
-            <a:off x="2455242" y="4750590"/>
-            <a:ext cx="6978868" cy="1802308"/>
-            <a:chOff x="77714" y="4326509"/>
-            <a:chExt cx="8041050" cy="2250272"/>
-          </a:xfrm>
-        </p:grpSpPr>
-        <p:sp>
-          <p:nvSpPr>
-            <p:cNvPr id="4" name="Rectangle 3">
-              <a:extLst>
-                <a:ext uri="{FF2B5EF4-FFF2-40B4-BE49-F238E27FC236}">
-                  <a16:creationId xmlns:a16="http://schemas.microsoft.com/office/drawing/2014/main" id="{DCD930CF-5A90-4B02-BC90-47121DFE91D4}"/>
-                </a:ext>
-              </a:extLst>
-            </p:cNvPr>
-            <p:cNvSpPr/>
-            <p:nvPr/>
-          </p:nvSpPr>
-          <p:spPr>
-            <a:xfrm>
-              <a:off x="77714" y="4326509"/>
-              <a:ext cx="8041050" cy="2120473"/>
-            </a:xfrm>
-            <a:prstGeom prst="rect">
-              <a:avLst/>
-            </a:prstGeom>
-            <a:solidFill>
-              <a:schemeClr val="bg1"/>
-            </a:solidFill>
-          </p:spPr>
-          <p:style>
-            <a:lnRef idx="2">
-              <a:schemeClr val="accent1">
-                <a:shade val="50000"/>
-              </a:schemeClr>
-            </a:lnRef>
-            <a:fillRef idx="1">
-              <a:schemeClr val="accent1"/>
-            </a:fillRef>
-            <a:effectRef idx="0">
-              <a:schemeClr val="accent1"/>
-            </a:effectRef>
-            <a:fontRef idx="minor">
-              <a:schemeClr val="lt1"/>
-            </a:fontRef>
-          </p:style>
-          <p:txBody>
-            <a:bodyPr rtlCol="0" anchor="ctr"/>
-            <a:lstStyle/>
-            <a:p>
-              <a:pPr algn="ctr"/>
-              <a:endParaRPr lang="fr-FR"/>
-            </a:p>
-          </p:txBody>
-        </p:sp>
-        <p:pic>
-          <p:nvPicPr>
-            <p:cNvPr id="5" name="Picture 3">
-              <a:extLst>
-                <a:ext uri="{FF2B5EF4-FFF2-40B4-BE49-F238E27FC236}">
-                  <a16:creationId xmlns:a16="http://schemas.microsoft.com/office/drawing/2014/main" id="{0160140C-5A9B-4FEE-8AA4-B728F068548D}"/>
-                </a:ext>
-              </a:extLst>
-            </p:cNvPr>
-            <p:cNvPicPr>
-              <a:picLocks noChangeAspect="1" noChangeArrowheads="1"/>
-            </p:cNvPicPr>
-            <p:nvPr/>
-          </p:nvPicPr>
-          <p:blipFill>
-            <a:blip r:embed="rId2" cstate="print">
-              <a:extLst>
-                <a:ext uri="{28A0092B-C50C-407E-A947-70E740481C1C}">
-                  <a14:useLocalDpi xmlns:a14="http://schemas.microsoft.com/office/drawing/2010/main" val="0"/>
-                </a:ext>
-              </a:extLst>
-            </a:blip>
-            <a:srcRect/>
-            <a:stretch>
-              <a:fillRect/>
-            </a:stretch>
-          </p:blipFill>
-          <p:spPr bwMode="auto">
-            <a:xfrm>
-              <a:off x="241107" y="4389557"/>
-              <a:ext cx="1289194" cy="1219500"/>
-            </a:xfrm>
-            <a:prstGeom prst="rect">
-              <a:avLst/>
-            </a:prstGeom>
-            <a:noFill/>
-            <a:ln>
-              <a:noFill/>
-            </a:ln>
-            <a:effectLst/>
-            <a:extLst>
-              <a:ext uri="{909E8E84-426E-40DD-AFC4-6F175D3DCCD1}">
-                <a14:hiddenFill xmlns:a14="http://schemas.microsoft.com/office/drawing/2010/main">
-                  <a:solidFill>
-                    <a:schemeClr val="accent1"/>
-                  </a:solidFill>
-                </a14:hiddenFill>
-              </a:ext>
-              <a:ext uri="{91240B29-F687-4F45-9708-019B960494DF}">
-                <a14:hiddenLine xmlns:a14="http://schemas.microsoft.com/office/drawing/2010/main" w="9525">
-                  <a:solidFill>
-                    <a:schemeClr val="tx1"/>
-                  </a:solidFill>
-                  <a:miter lim="800000"/>
-                  <a:headEnd/>
-                  <a:tailEnd/>
-                </a14:hiddenLine>
-              </a:ext>
-              <a:ext uri="{AF507438-7753-43E0-B8FC-AC1667EBCBE1}">
-                <a14:hiddenEffects xmlns:a14="http://schemas.microsoft.com/office/drawing/2010/main">
-                  <a:effectLst>
-                    <a:outerShdw dist="35921" dir="2700000" algn="ctr" rotWithShape="0">
-                      <a:schemeClr val="bg2"/>
-                    </a:outerShdw>
-                  </a:effectLst>
-                </a14:hiddenEffects>
-              </a:ext>
-            </a:extLst>
-          </p:spPr>
-        </p:pic>
-        <p:pic>
-          <p:nvPicPr>
-            <p:cNvPr id="6" name="Picture 4">
-              <a:extLst>
-                <a:ext uri="{FF2B5EF4-FFF2-40B4-BE49-F238E27FC236}">
-                  <a16:creationId xmlns:a16="http://schemas.microsoft.com/office/drawing/2014/main" id="{A9B50D90-6159-40A2-AD81-0D5DAD789111}"/>
-                </a:ext>
-              </a:extLst>
-            </p:cNvPr>
-            <p:cNvPicPr>
-              <a:picLocks noChangeAspect="1" noChangeArrowheads="1"/>
-            </p:cNvPicPr>
-            <p:nvPr/>
-          </p:nvPicPr>
-          <p:blipFill>
-            <a:blip r:embed="rId3" cstate="print">
-              <a:extLst>
-                <a:ext uri="{28A0092B-C50C-407E-A947-70E740481C1C}">
-                  <a14:useLocalDpi xmlns:a14="http://schemas.microsoft.com/office/drawing/2010/main" val="0"/>
-                </a:ext>
-              </a:extLst>
-            </a:blip>
-            <a:srcRect/>
-            <a:stretch>
-              <a:fillRect/>
-            </a:stretch>
-          </p:blipFill>
-          <p:spPr bwMode="auto">
-            <a:xfrm>
-              <a:off x="1825284" y="4389557"/>
-              <a:ext cx="1270455" cy="1219500"/>
-            </a:xfrm>
-            <a:prstGeom prst="rect">
-              <a:avLst/>
-            </a:prstGeom>
-            <a:noFill/>
-            <a:ln>
-              <a:noFill/>
-            </a:ln>
-            <a:effectLst/>
-            <a:extLst>
-              <a:ext uri="{909E8E84-426E-40DD-AFC4-6F175D3DCCD1}">
-                <a14:hiddenFill xmlns:a14="http://schemas.microsoft.com/office/drawing/2010/main">
-                  <a:solidFill>
-                    <a:schemeClr val="accent1"/>
-                  </a:solidFill>
-                </a14:hiddenFill>
-              </a:ext>
-              <a:ext uri="{91240B29-F687-4F45-9708-019B960494DF}">
-                <a14:hiddenLine xmlns:a14="http://schemas.microsoft.com/office/drawing/2010/main" w="9525">
-                  <a:solidFill>
-                    <a:schemeClr val="tx1"/>
-                  </a:solidFill>
-                  <a:miter lim="800000"/>
-                  <a:headEnd/>
-                  <a:tailEnd/>
-                </a14:hiddenLine>
-              </a:ext>
-              <a:ext uri="{AF507438-7753-43E0-B8FC-AC1667EBCBE1}">
-                <a14:hiddenEffects xmlns:a14="http://schemas.microsoft.com/office/drawing/2010/main">
-                  <a:effectLst>
-                    <a:outerShdw dist="35921" dir="2700000" algn="ctr" rotWithShape="0">
-                      <a:schemeClr val="bg2"/>
-                    </a:outerShdw>
-                  </a:effectLst>
-                </a14:hiddenEffects>
-              </a:ext>
-            </a:extLst>
-          </p:spPr>
-        </p:pic>
-        <p:pic>
-          <p:nvPicPr>
-            <p:cNvPr id="7" name="Picture 5">
-              <a:extLst>
-                <a:ext uri="{FF2B5EF4-FFF2-40B4-BE49-F238E27FC236}">
-                  <a16:creationId xmlns:a16="http://schemas.microsoft.com/office/drawing/2014/main" id="{1766C967-9740-42B0-BC8C-03CAAD7BB597}"/>
-                </a:ext>
-              </a:extLst>
-            </p:cNvPr>
-            <p:cNvPicPr>
-              <a:picLocks noChangeAspect="1" noChangeArrowheads="1"/>
-            </p:cNvPicPr>
-            <p:nvPr/>
-          </p:nvPicPr>
-          <p:blipFill>
-            <a:blip r:embed="rId4" cstate="print">
-              <a:extLst>
-                <a:ext uri="{28A0092B-C50C-407E-A947-70E740481C1C}">
-                  <a14:useLocalDpi xmlns:a14="http://schemas.microsoft.com/office/drawing/2010/main" val="0"/>
-                </a:ext>
-              </a:extLst>
-            </a:blip>
-            <a:srcRect/>
-            <a:stretch>
-              <a:fillRect/>
-            </a:stretch>
-          </p:blipFill>
-          <p:spPr bwMode="auto">
-            <a:xfrm>
-              <a:off x="3409459" y="4389557"/>
-              <a:ext cx="1289194" cy="1219500"/>
-            </a:xfrm>
-            <a:prstGeom prst="rect">
-              <a:avLst/>
-            </a:prstGeom>
-            <a:noFill/>
-            <a:ln>
-              <a:noFill/>
-            </a:ln>
-            <a:effectLst/>
-            <a:extLst>
-              <a:ext uri="{909E8E84-426E-40DD-AFC4-6F175D3DCCD1}">
-                <a14:hiddenFill xmlns:a14="http://schemas.microsoft.com/office/drawing/2010/main">
-                  <a:solidFill>
-                    <a:schemeClr val="accent1"/>
-                  </a:solidFill>
-                </a14:hiddenFill>
-              </a:ext>
-              <a:ext uri="{91240B29-F687-4F45-9708-019B960494DF}">
-                <a14:hiddenLine xmlns:a14="http://schemas.microsoft.com/office/drawing/2010/main" w="9525">
-                  <a:solidFill>
-                    <a:schemeClr val="tx1"/>
-                  </a:solidFill>
-                  <a:miter lim="800000"/>
-                  <a:headEnd/>
-                  <a:tailEnd/>
-                </a14:hiddenLine>
-              </a:ext>
-              <a:ext uri="{AF507438-7753-43E0-B8FC-AC1667EBCBE1}">
-                <a14:hiddenEffects xmlns:a14="http://schemas.microsoft.com/office/drawing/2010/main">
-                  <a:effectLst>
-                    <a:outerShdw dist="35921" dir="2700000" algn="ctr" rotWithShape="0">
-                      <a:schemeClr val="bg2"/>
-                    </a:outerShdw>
-                  </a:effectLst>
-                </a14:hiddenEffects>
-              </a:ext>
-            </a:extLst>
-          </p:spPr>
-        </p:pic>
-        <p:pic>
-          <p:nvPicPr>
-            <p:cNvPr id="8" name="Picture 6">
-              <a:extLst>
-                <a:ext uri="{FF2B5EF4-FFF2-40B4-BE49-F238E27FC236}">
-                  <a16:creationId xmlns:a16="http://schemas.microsoft.com/office/drawing/2014/main" id="{43860932-4EC5-4028-A053-023B9A8257CB}"/>
-                </a:ext>
-              </a:extLst>
-            </p:cNvPr>
-            <p:cNvPicPr>
-              <a:picLocks noChangeAspect="1" noChangeArrowheads="1"/>
-            </p:cNvPicPr>
-            <p:nvPr/>
-          </p:nvPicPr>
-          <p:blipFill>
-            <a:blip r:embed="rId5" cstate="print">
-              <a:extLst>
-                <a:ext uri="{28A0092B-C50C-407E-A947-70E740481C1C}">
-                  <a14:useLocalDpi xmlns:a14="http://schemas.microsoft.com/office/drawing/2010/main" val="0"/>
-                </a:ext>
-              </a:extLst>
-            </a:blip>
-            <a:srcRect/>
-            <a:stretch>
-              <a:fillRect/>
-            </a:stretch>
-          </p:blipFill>
-          <p:spPr bwMode="auto">
-            <a:xfrm>
-              <a:off x="5065643" y="4389557"/>
-              <a:ext cx="1289194" cy="1219500"/>
-            </a:xfrm>
-            <a:prstGeom prst="rect">
-              <a:avLst/>
-            </a:prstGeom>
-            <a:noFill/>
-            <a:ln>
-              <a:noFill/>
-            </a:ln>
-            <a:effectLst/>
-            <a:extLst>
-              <a:ext uri="{909E8E84-426E-40DD-AFC4-6F175D3DCCD1}">
-                <a14:hiddenFill xmlns:a14="http://schemas.microsoft.com/office/drawing/2010/main">
-                  <a:solidFill>
-                    <a:schemeClr val="accent1"/>
-                  </a:solidFill>
-                </a14:hiddenFill>
-              </a:ext>
-              <a:ext uri="{91240B29-F687-4F45-9708-019B960494DF}">
-                <a14:hiddenLine xmlns:a14="http://schemas.microsoft.com/office/drawing/2010/main" w="9525">
-                  <a:solidFill>
-                    <a:schemeClr val="tx1"/>
-                  </a:solidFill>
-                  <a:miter lim="800000"/>
-                  <a:headEnd/>
-                  <a:tailEnd/>
-                </a14:hiddenLine>
-              </a:ext>
-              <a:ext uri="{AF507438-7753-43E0-B8FC-AC1667EBCBE1}">
-                <a14:hiddenEffects xmlns:a14="http://schemas.microsoft.com/office/drawing/2010/main">
-                  <a:effectLst>
-                    <a:outerShdw dist="35921" dir="2700000" algn="ctr" rotWithShape="0">
-                      <a:schemeClr val="bg2"/>
-                    </a:outerShdw>
-                  </a:effectLst>
-                </a14:hiddenEffects>
-              </a:ext>
-            </a:extLst>
-          </p:spPr>
-        </p:pic>
-        <p:pic>
-          <p:nvPicPr>
-            <p:cNvPr id="9" name="Picture 7">
-              <a:extLst>
-                <a:ext uri="{FF2B5EF4-FFF2-40B4-BE49-F238E27FC236}">
-                  <a16:creationId xmlns:a16="http://schemas.microsoft.com/office/drawing/2014/main" id="{3A19ABF5-0BF6-4D30-A853-F8A1F4E73D25}"/>
-                </a:ext>
-              </a:extLst>
-            </p:cNvPr>
-            <p:cNvPicPr>
-              <a:picLocks noChangeAspect="1" noChangeArrowheads="1"/>
-            </p:cNvPicPr>
-            <p:nvPr/>
-          </p:nvPicPr>
-          <p:blipFill>
-            <a:blip r:embed="rId6" cstate="print">
-              <a:extLst>
-                <a:ext uri="{28A0092B-C50C-407E-A947-70E740481C1C}">
-                  <a14:useLocalDpi xmlns:a14="http://schemas.microsoft.com/office/drawing/2010/main" val="0"/>
-                </a:ext>
-              </a:extLst>
-            </a:blip>
-            <a:srcRect/>
-            <a:stretch>
-              <a:fillRect/>
-            </a:stretch>
-          </p:blipFill>
-          <p:spPr bwMode="auto">
-            <a:xfrm>
-              <a:off x="6721827" y="4389557"/>
-              <a:ext cx="1289194" cy="1219500"/>
-            </a:xfrm>
-            <a:prstGeom prst="rect">
-              <a:avLst/>
-            </a:prstGeom>
-            <a:noFill/>
-            <a:ln>
-              <a:noFill/>
-            </a:ln>
-            <a:effectLst/>
-            <a:extLst>
-              <a:ext uri="{909E8E84-426E-40DD-AFC4-6F175D3DCCD1}">
-                <a14:hiddenFill xmlns:a14="http://schemas.microsoft.com/office/drawing/2010/main">
-                  <a:solidFill>
-                    <a:schemeClr val="accent1"/>
-                  </a:solidFill>
-                </a14:hiddenFill>
-              </a:ext>
-              <a:ext uri="{91240B29-F687-4F45-9708-019B960494DF}">
-                <a14:hiddenLine xmlns:a14="http://schemas.microsoft.com/office/drawing/2010/main" w="9525">
-                  <a:solidFill>
-                    <a:schemeClr val="tx1"/>
-                  </a:solidFill>
-                  <a:miter lim="800000"/>
-                  <a:headEnd/>
-                  <a:tailEnd/>
-                </a14:hiddenLine>
-              </a:ext>
-              <a:ext uri="{AF507438-7753-43E0-B8FC-AC1667EBCBE1}">
-                <a14:hiddenEffects xmlns:a14="http://schemas.microsoft.com/office/drawing/2010/main">
-                  <a:effectLst>
-                    <a:outerShdw dist="35921" dir="2700000" algn="ctr" rotWithShape="0">
-                      <a:schemeClr val="bg2"/>
-                    </a:outerShdw>
-                  </a:effectLst>
-                </a14:hiddenEffects>
-              </a:ext>
-            </a:extLst>
-          </p:spPr>
-        </p:pic>
-        <p:sp>
-          <p:nvSpPr>
-            <p:cNvPr id="10" name="ZoneTexte 9">
-              <a:extLst>
-                <a:ext uri="{FF2B5EF4-FFF2-40B4-BE49-F238E27FC236}">
-                  <a16:creationId xmlns:a16="http://schemas.microsoft.com/office/drawing/2014/main" id="{9A65B9C9-A394-49CB-8731-58973AC6A218}"/>
-                </a:ext>
-              </a:extLst>
-            </p:cNvPr>
-            <p:cNvSpPr txBox="1"/>
-            <p:nvPr/>
-          </p:nvSpPr>
-          <p:spPr>
-            <a:xfrm>
-              <a:off x="241107" y="5829718"/>
-              <a:ext cx="1289194" cy="523220"/>
-            </a:xfrm>
-            <a:prstGeom prst="rect">
-              <a:avLst/>
-            </a:prstGeom>
-            <a:noFill/>
-          </p:spPr>
-          <p:txBody>
-            <a:bodyPr wrap="square" rtlCol="0">
-              <a:spAutoFit/>
-            </a:bodyPr>
-            <a:lstStyle/>
-            <a:p>
-              <a:r>
-                <a:rPr lang="fr-FR" sz="1400" dirty="0"/>
-                <a:t>LAMANI Bouabdellah</a:t>
-              </a:r>
-            </a:p>
-          </p:txBody>
-        </p:sp>
-        <p:sp>
-          <p:nvSpPr>
-            <p:cNvPr id="11" name="ZoneTexte 10">
-              <a:extLst>
-                <a:ext uri="{FF2B5EF4-FFF2-40B4-BE49-F238E27FC236}">
-                  <a16:creationId xmlns:a16="http://schemas.microsoft.com/office/drawing/2014/main" id="{B82E496C-EFA6-421C-9B20-9A4A20C3E1A2}"/>
-                </a:ext>
-              </a:extLst>
-            </p:cNvPr>
-            <p:cNvSpPr txBox="1"/>
-            <p:nvPr/>
-          </p:nvSpPr>
-          <p:spPr>
-            <a:xfrm>
-              <a:off x="3444961" y="5829718"/>
-              <a:ext cx="1289194" cy="523220"/>
-            </a:xfrm>
-            <a:prstGeom prst="rect">
-              <a:avLst/>
-            </a:prstGeom>
-            <a:noFill/>
-          </p:spPr>
-          <p:txBody>
-            <a:bodyPr wrap="square" rtlCol="0">
-              <a:spAutoFit/>
-            </a:bodyPr>
-            <a:lstStyle/>
-            <a:p>
-              <a:r>
-                <a:rPr lang="fr-FR" sz="1400" dirty="0"/>
-                <a:t>TIAZARA</a:t>
-              </a:r>
-            </a:p>
-            <a:p>
-              <a:r>
-                <a:rPr lang="fr-FR" sz="1400" dirty="0"/>
-                <a:t>Gaëtan        </a:t>
-              </a:r>
-            </a:p>
-          </p:txBody>
-        </p:sp>
-        <p:sp>
-          <p:nvSpPr>
-            <p:cNvPr id="12" name="ZoneTexte 11">
-              <a:extLst>
-                <a:ext uri="{FF2B5EF4-FFF2-40B4-BE49-F238E27FC236}">
-                  <a16:creationId xmlns:a16="http://schemas.microsoft.com/office/drawing/2014/main" id="{DCBCAC7F-DAA3-4F9D-90AE-0EE0837CF287}"/>
-                </a:ext>
-              </a:extLst>
-            </p:cNvPr>
-            <p:cNvSpPr txBox="1"/>
-            <p:nvPr/>
-          </p:nvSpPr>
-          <p:spPr>
-            <a:xfrm>
-              <a:off x="5090294" y="5829478"/>
-              <a:ext cx="1289194" cy="738664"/>
-            </a:xfrm>
-            <a:prstGeom prst="rect">
-              <a:avLst/>
-            </a:prstGeom>
-            <a:noFill/>
-          </p:spPr>
-          <p:txBody>
-            <a:bodyPr wrap="square" rtlCol="0">
-              <a:spAutoFit/>
-            </a:bodyPr>
-            <a:lstStyle/>
-            <a:p>
-              <a:r>
-                <a:rPr lang="fr-FR" sz="1400" dirty="0"/>
-                <a:t>MERZOUK Gaya</a:t>
-              </a:r>
-            </a:p>
-            <a:p>
-              <a:endParaRPr lang="fr-FR" sz="1400" dirty="0"/>
-            </a:p>
-          </p:txBody>
-        </p:sp>
-        <p:sp>
-          <p:nvSpPr>
-            <p:cNvPr id="13" name="ZoneTexte 12">
-              <a:extLst>
-                <a:ext uri="{FF2B5EF4-FFF2-40B4-BE49-F238E27FC236}">
-                  <a16:creationId xmlns:a16="http://schemas.microsoft.com/office/drawing/2014/main" id="{A71A3BDE-BAD3-42F8-8FE7-C1988CF0687F}"/>
-                </a:ext>
-              </a:extLst>
-            </p:cNvPr>
-            <p:cNvSpPr txBox="1"/>
-            <p:nvPr/>
-          </p:nvSpPr>
-          <p:spPr>
-            <a:xfrm>
-              <a:off x="6721827" y="5838117"/>
-              <a:ext cx="1289194" cy="738664"/>
-            </a:xfrm>
-            <a:prstGeom prst="rect">
-              <a:avLst/>
-            </a:prstGeom>
-            <a:noFill/>
-          </p:spPr>
-          <p:txBody>
-            <a:bodyPr wrap="square" rtlCol="0">
-              <a:spAutoFit/>
-            </a:bodyPr>
-            <a:lstStyle/>
-            <a:p>
-              <a:r>
-                <a:rPr lang="fr-FR" sz="1400" dirty="0"/>
-                <a:t>TOURNIER Thibault</a:t>
-              </a:r>
-            </a:p>
-            <a:p>
-              <a:endParaRPr lang="fr-FR" sz="1400" dirty="0"/>
-            </a:p>
-          </p:txBody>
-        </p:sp>
-        <p:sp>
-          <p:nvSpPr>
-            <p:cNvPr id="14" name="ZoneTexte 13">
-              <a:extLst>
-                <a:ext uri="{FF2B5EF4-FFF2-40B4-BE49-F238E27FC236}">
-                  <a16:creationId xmlns:a16="http://schemas.microsoft.com/office/drawing/2014/main" id="{A2C063C0-67D3-4CAB-B63C-40F8A95A857C}"/>
-                </a:ext>
-              </a:extLst>
-            </p:cNvPr>
-            <p:cNvSpPr txBox="1"/>
-            <p:nvPr/>
-          </p:nvSpPr>
-          <p:spPr>
-            <a:xfrm>
-              <a:off x="1806544" y="5838117"/>
-              <a:ext cx="1289194" cy="738664"/>
-            </a:xfrm>
-            <a:prstGeom prst="rect">
-              <a:avLst/>
-            </a:prstGeom>
-            <a:noFill/>
-          </p:spPr>
-          <p:txBody>
-            <a:bodyPr wrap="square" rtlCol="0">
-              <a:spAutoFit/>
-            </a:bodyPr>
-            <a:lstStyle/>
-            <a:p>
-              <a:r>
-                <a:rPr lang="fr-FR" sz="1400" dirty="0"/>
-                <a:t>GALLARDO Cristobal</a:t>
-              </a:r>
-            </a:p>
-            <a:p>
-              <a:endParaRPr lang="fr-FR" sz="1400" dirty="0"/>
-            </a:p>
-          </p:txBody>
-        </p:sp>
-      </p:grpSp>
-    </p:spTree>
-    <p:extLst>
-      <p:ext uri="{BB962C8B-B14F-4D97-AF65-F5344CB8AC3E}">
-        <p14:creationId xmlns:p14="http://schemas.microsoft.com/office/powerpoint/2010/main" val="2838289505"/>
-      </p:ext>
-    </p:extLst>
-  </p:cSld>
-  <p:clrMapOvr>
-    <a:masterClrMapping/>
-  </p:clrMapOvr>
-</p:sld>
-</file>
-
 <file path=ppt/slides/slide2.xml><?xml version="1.0" encoding="utf-8"?>
-<p:sld xmlns:a="http://schemas.openxmlformats.org/drawingml/2006/main" xmlns:r="http://schemas.openxmlformats.org/officeDocument/2006/relationships" xmlns:p="http://schemas.openxmlformats.org/presentationml/2006/main">
-  <p:cSld>
-    <p:spTree>
-      <p:nvGrpSpPr>
-        <p:cNvPr id="1" name=""/>
-        <p:cNvGrpSpPr/>
-        <p:nvPr/>
-      </p:nvGrpSpPr>
-      <p:grpSpPr>
-        <a:xfrm>
-          <a:off x="0" y="0"/>
-          <a:ext cx="0" cy="0"/>
-          <a:chOff x="0" y="0"/>
-          <a:chExt cx="0" cy="0"/>
-        </a:xfrm>
-      </p:grpSpPr>
-      <p:pic>
-        <p:nvPicPr>
-          <p:cNvPr id="3" name="Picture 2">
-            <a:extLst>
-              <a:ext uri="{FF2B5EF4-FFF2-40B4-BE49-F238E27FC236}">
-                <a16:creationId xmlns:a16="http://schemas.microsoft.com/office/drawing/2014/main" id="{D2B13665-7E80-4518-AEFE-99B7D736CE50}"/>
-              </a:ext>
-            </a:extLst>
-          </p:cNvPr>
-          <p:cNvPicPr>
-            <a:picLocks noChangeAspect="1"/>
-          </p:cNvPicPr>
-          <p:nvPr/>
-        </p:nvPicPr>
-        <p:blipFill>
-          <a:blip r:embed="rId2">
-            <a:extLst>
-              <a:ext uri="{28A0092B-C50C-407E-A947-70E740481C1C}">
-                <a14:useLocalDpi xmlns:a14="http://schemas.microsoft.com/office/drawing/2010/main" val="0"/>
-              </a:ext>
-            </a:extLst>
-          </a:blip>
-          <a:stretch>
-            <a:fillRect/>
-          </a:stretch>
-        </p:blipFill>
-        <p:spPr>
-          <a:xfrm>
-            <a:off x="-537898" y="0"/>
-            <a:ext cx="12830903" cy="6858000"/>
-          </a:xfrm>
-          <a:prstGeom prst="rect">
-            <a:avLst/>
-          </a:prstGeom>
-        </p:spPr>
-      </p:pic>
-      <p:grpSp>
-        <p:nvGrpSpPr>
-          <p:cNvPr id="12" name="Group 11">
-            <a:extLst>
-              <a:ext uri="{FF2B5EF4-FFF2-40B4-BE49-F238E27FC236}">
-                <a16:creationId xmlns:a16="http://schemas.microsoft.com/office/drawing/2014/main" id="{4E68F578-1C13-4920-98B5-D9A17E3000C9}"/>
-              </a:ext>
-            </a:extLst>
-          </p:cNvPr>
-          <p:cNvGrpSpPr/>
-          <p:nvPr/>
-        </p:nvGrpSpPr>
-        <p:grpSpPr>
-          <a:xfrm>
-            <a:off x="239405" y="1496435"/>
-            <a:ext cx="5411587" cy="3108161"/>
-            <a:chOff x="122438" y="1204912"/>
-            <a:chExt cx="6249787" cy="3643313"/>
-          </a:xfrm>
-        </p:grpSpPr>
-        <p:pic>
-          <p:nvPicPr>
-            <p:cNvPr id="5" name="Picture 4">
-              <a:extLst>
-                <a:ext uri="{FF2B5EF4-FFF2-40B4-BE49-F238E27FC236}">
-                  <a16:creationId xmlns:a16="http://schemas.microsoft.com/office/drawing/2014/main" id="{787D2F3F-610C-4DBE-B89B-78DDE5C87E54}"/>
-                </a:ext>
-              </a:extLst>
-            </p:cNvPr>
-            <p:cNvPicPr>
-              <a:picLocks noChangeAspect="1"/>
-            </p:cNvPicPr>
-            <p:nvPr/>
-          </p:nvPicPr>
-          <p:blipFill rotWithShape="1">
-            <a:blip r:embed="rId3"/>
-            <a:srcRect b="25335"/>
-            <a:stretch/>
-          </p:blipFill>
-          <p:spPr>
-            <a:xfrm>
-              <a:off x="122438" y="1204912"/>
-              <a:ext cx="6249787" cy="3643313"/>
-            </a:xfrm>
-            <a:prstGeom prst="rect">
-              <a:avLst/>
-            </a:prstGeom>
-            <a:ln w="47625">
-              <a:solidFill>
-                <a:schemeClr val="accent1"/>
-              </a:solidFill>
-            </a:ln>
-          </p:spPr>
-        </p:pic>
-        <p:pic>
-          <p:nvPicPr>
-            <p:cNvPr id="7" name="Picture 6">
-              <a:extLst>
-                <a:ext uri="{FF2B5EF4-FFF2-40B4-BE49-F238E27FC236}">
-                  <a16:creationId xmlns:a16="http://schemas.microsoft.com/office/drawing/2014/main" id="{9AA10F62-A0FC-405C-A962-B5353C6431DE}"/>
-                </a:ext>
-              </a:extLst>
-            </p:cNvPr>
-            <p:cNvPicPr>
-              <a:picLocks noChangeAspect="1"/>
-            </p:cNvPicPr>
-            <p:nvPr/>
-          </p:nvPicPr>
-          <p:blipFill>
-            <a:blip r:embed="rId4"/>
-            <a:stretch>
-              <a:fillRect/>
-            </a:stretch>
-          </p:blipFill>
-          <p:spPr>
-            <a:xfrm>
-              <a:off x="122438" y="4429125"/>
-              <a:ext cx="1381125" cy="419100"/>
-            </a:xfrm>
-            <a:prstGeom prst="rect">
-              <a:avLst/>
-            </a:prstGeom>
-            <a:ln w="47625">
-              <a:noFill/>
-            </a:ln>
-          </p:spPr>
-        </p:pic>
-        <p:pic>
-          <p:nvPicPr>
-            <p:cNvPr id="11" name="Picture 10">
-              <a:extLst>
-                <a:ext uri="{FF2B5EF4-FFF2-40B4-BE49-F238E27FC236}">
-                  <a16:creationId xmlns:a16="http://schemas.microsoft.com/office/drawing/2014/main" id="{E162CF68-2FB4-433C-BDEF-F9D107C33678}"/>
-                </a:ext>
-              </a:extLst>
-            </p:cNvPr>
-            <p:cNvPicPr>
-              <a:picLocks noChangeAspect="1"/>
-            </p:cNvPicPr>
-            <p:nvPr/>
-          </p:nvPicPr>
-          <p:blipFill>
-            <a:blip r:embed="rId5"/>
-            <a:stretch>
-              <a:fillRect/>
-            </a:stretch>
-          </p:blipFill>
-          <p:spPr>
-            <a:xfrm>
-              <a:off x="900112" y="1204912"/>
-              <a:ext cx="1362075" cy="200025"/>
-            </a:xfrm>
-            <a:prstGeom prst="rect">
-              <a:avLst/>
-            </a:prstGeom>
-            <a:ln w="47625">
-              <a:noFill/>
-            </a:ln>
-          </p:spPr>
-        </p:pic>
-      </p:grpSp>
-      <p:sp>
-        <p:nvSpPr>
-          <p:cNvPr id="15" name="TextBox 14">
-            <a:extLst>
-              <a:ext uri="{FF2B5EF4-FFF2-40B4-BE49-F238E27FC236}">
-                <a16:creationId xmlns:a16="http://schemas.microsoft.com/office/drawing/2014/main" id="{175CF795-E2A1-44BF-8A97-F76BADA0530F}"/>
-              </a:ext>
-            </a:extLst>
-          </p:cNvPr>
-          <p:cNvSpPr txBox="1"/>
-          <p:nvPr/>
-        </p:nvSpPr>
-        <p:spPr>
-          <a:xfrm>
-            <a:off x="239405" y="970028"/>
-            <a:ext cx="3455013" cy="338554"/>
-          </a:xfrm>
-          <a:prstGeom prst="rect">
-            <a:avLst/>
-          </a:prstGeom>
-          <a:solidFill>
-            <a:schemeClr val="bg1"/>
-          </a:solidFill>
-          <a:ln w="47625">
-            <a:solidFill>
-              <a:schemeClr val="accent1">
-                <a:shade val="50000"/>
-              </a:schemeClr>
-            </a:solidFill>
-          </a:ln>
-        </p:spPr>
-        <p:txBody>
-          <a:bodyPr wrap="square" rtlCol="0">
-            <a:spAutoFit/>
-          </a:bodyPr>
-          <a:lstStyle/>
-          <a:p>
-            <a:r>
-              <a:rPr lang="es-ES" sz="1600" dirty="0" err="1"/>
-              <a:t>Industry</a:t>
-            </a:r>
-            <a:r>
-              <a:rPr lang="es-ES" sz="1600" dirty="0"/>
-              <a:t> </a:t>
-            </a:r>
-            <a:r>
-              <a:rPr lang="es-ES" sz="1600" dirty="0" err="1"/>
-              <a:t>outlook</a:t>
-            </a:r>
-            <a:endParaRPr lang="fr-FR" sz="1600" dirty="0"/>
-          </a:p>
-        </p:txBody>
-      </p:sp>
-      <p:sp>
-        <p:nvSpPr>
-          <p:cNvPr id="21" name="TextBox 20">
-            <a:extLst>
-              <a:ext uri="{FF2B5EF4-FFF2-40B4-BE49-F238E27FC236}">
-                <a16:creationId xmlns:a16="http://schemas.microsoft.com/office/drawing/2014/main" id="{6C2AD444-1689-4139-A10A-AD7CDDF3DBBA}"/>
-              </a:ext>
-            </a:extLst>
-          </p:cNvPr>
-          <p:cNvSpPr txBox="1"/>
-          <p:nvPr/>
-        </p:nvSpPr>
-        <p:spPr>
-          <a:xfrm>
-            <a:off x="3859265" y="278719"/>
-            <a:ext cx="3455013" cy="400110"/>
-          </a:xfrm>
-          <a:prstGeom prst="rect">
-            <a:avLst/>
-          </a:prstGeom>
-          <a:solidFill>
-            <a:schemeClr val="bg1"/>
-          </a:solidFill>
-          <a:ln w="47625">
-            <a:solidFill>
-              <a:schemeClr val="accent1">
-                <a:shade val="50000"/>
-              </a:schemeClr>
-            </a:solidFill>
-          </a:ln>
-        </p:spPr>
-        <p:txBody>
-          <a:bodyPr wrap="square" rtlCol="0">
-            <a:spAutoFit/>
-          </a:bodyPr>
-          <a:lstStyle/>
-          <a:p>
-            <a:pPr algn="ctr"/>
-            <a:r>
-              <a:rPr lang="es-ES" sz="2000" dirty="0"/>
-              <a:t>INTRODUCTION</a:t>
-            </a:r>
-            <a:endParaRPr lang="fr-FR" sz="2000" dirty="0"/>
-          </a:p>
-        </p:txBody>
-      </p:sp>
-      <p:pic>
-        <p:nvPicPr>
-          <p:cNvPr id="14" name="Picture 13">
-            <a:extLst>
-              <a:ext uri="{FF2B5EF4-FFF2-40B4-BE49-F238E27FC236}">
-                <a16:creationId xmlns:a16="http://schemas.microsoft.com/office/drawing/2014/main" id="{9E53D513-5229-4712-9787-3119D1B48C35}"/>
-              </a:ext>
-            </a:extLst>
-          </p:cNvPr>
-          <p:cNvPicPr>
-            <a:picLocks noChangeAspect="1"/>
-          </p:cNvPicPr>
-          <p:nvPr/>
-        </p:nvPicPr>
-        <p:blipFill>
-          <a:blip r:embed="rId6"/>
-          <a:stretch>
-            <a:fillRect/>
-          </a:stretch>
-        </p:blipFill>
-        <p:spPr>
-          <a:xfrm>
-            <a:off x="5310778" y="2118324"/>
-            <a:ext cx="6042738" cy="3012679"/>
-          </a:xfrm>
-          <a:prstGeom prst="rect">
-            <a:avLst/>
-          </a:prstGeom>
-          <a:ln w="47625">
-            <a:solidFill>
-              <a:schemeClr val="accent1">
-                <a:shade val="50000"/>
-              </a:schemeClr>
-            </a:solidFill>
-          </a:ln>
-        </p:spPr>
-      </p:pic>
-      <p:sp>
-        <p:nvSpPr>
-          <p:cNvPr id="19" name="TextBox 18">
-            <a:extLst>
-              <a:ext uri="{FF2B5EF4-FFF2-40B4-BE49-F238E27FC236}">
-                <a16:creationId xmlns:a16="http://schemas.microsoft.com/office/drawing/2014/main" id="{94F14673-8BA4-44B4-AB60-A0992C9D0D8C}"/>
-              </a:ext>
-            </a:extLst>
-          </p:cNvPr>
-          <p:cNvSpPr txBox="1"/>
-          <p:nvPr/>
-        </p:nvSpPr>
-        <p:spPr>
-          <a:xfrm>
-            <a:off x="7314278" y="4942810"/>
-            <a:ext cx="4761571" cy="1815882"/>
-          </a:xfrm>
-          <a:prstGeom prst="rect">
-            <a:avLst/>
-          </a:prstGeom>
-          <a:solidFill>
-            <a:schemeClr val="bg1"/>
-          </a:solidFill>
-          <a:ln w="47625">
-            <a:solidFill>
-              <a:schemeClr val="accent1">
-                <a:shade val="50000"/>
-              </a:schemeClr>
-            </a:solidFill>
-          </a:ln>
-        </p:spPr>
-        <p:txBody>
-          <a:bodyPr wrap="square" rtlCol="0">
-            <a:spAutoFit/>
-          </a:bodyPr>
-          <a:lstStyle/>
-          <a:p>
-            <a:r>
-              <a:rPr lang="es-ES" sz="1600" dirty="0"/>
-              <a:t>Offshore </a:t>
-            </a:r>
-            <a:r>
-              <a:rPr lang="es-ES" sz="1600" dirty="0" err="1"/>
-              <a:t>wind</a:t>
-            </a:r>
-            <a:r>
-              <a:rPr lang="es-ES" sz="1600" dirty="0"/>
-              <a:t> </a:t>
-            </a:r>
-            <a:r>
-              <a:rPr lang="es-ES" sz="1600" dirty="0" err="1"/>
-              <a:t>farm</a:t>
-            </a:r>
-            <a:r>
-              <a:rPr lang="es-ES" sz="1600" dirty="0"/>
-              <a:t> </a:t>
-            </a:r>
-            <a:r>
-              <a:rPr lang="es-ES" sz="1600" dirty="0" err="1"/>
-              <a:t>projets</a:t>
-            </a:r>
-            <a:r>
-              <a:rPr lang="es-ES" sz="1600" dirty="0"/>
-              <a:t> are set </a:t>
-            </a:r>
-            <a:r>
-              <a:rPr lang="es-ES" sz="1600" dirty="0" err="1"/>
-              <a:t>to</a:t>
-            </a:r>
-            <a:r>
-              <a:rPr lang="es-ES" sz="1600" dirty="0"/>
-              <a:t> </a:t>
-            </a:r>
-            <a:r>
-              <a:rPr lang="es-ES" sz="1600" dirty="0" err="1"/>
-              <a:t>increase</a:t>
-            </a:r>
-            <a:r>
-              <a:rPr lang="es-ES" sz="1600" dirty="0"/>
-              <a:t> </a:t>
-            </a:r>
-            <a:r>
-              <a:rPr lang="es-ES" sz="1600" dirty="0" err="1"/>
-              <a:t>around</a:t>
-            </a:r>
-            <a:r>
-              <a:rPr lang="es-ES" sz="1600" dirty="0"/>
-              <a:t> </a:t>
-            </a:r>
-            <a:r>
-              <a:rPr lang="es-ES" sz="1600" dirty="0" err="1"/>
-              <a:t>the</a:t>
-            </a:r>
-            <a:r>
-              <a:rPr lang="es-ES" sz="1600" dirty="0"/>
-              <a:t> </a:t>
-            </a:r>
-            <a:r>
-              <a:rPr lang="es-ES" sz="1600" dirty="0" err="1"/>
-              <a:t>world</a:t>
-            </a:r>
-            <a:r>
-              <a:rPr lang="es-ES" sz="1600" dirty="0"/>
-              <a:t> in </a:t>
-            </a:r>
-            <a:r>
-              <a:rPr lang="es-ES" sz="1600" dirty="0" err="1"/>
-              <a:t>coming</a:t>
-            </a:r>
-            <a:r>
-              <a:rPr lang="es-ES" sz="1600" dirty="0"/>
-              <a:t> </a:t>
-            </a:r>
-            <a:r>
-              <a:rPr lang="es-ES" sz="1600" dirty="0" err="1"/>
-              <a:t>years</a:t>
-            </a:r>
-            <a:r>
-              <a:rPr lang="es-ES" sz="1600" dirty="0"/>
-              <a:t> </a:t>
-            </a:r>
-            <a:r>
-              <a:rPr lang="es-ES" sz="1600" dirty="0" err="1"/>
-              <a:t>according</a:t>
-            </a:r>
-            <a:r>
-              <a:rPr lang="es-ES" sz="1600" dirty="0"/>
-              <a:t> </a:t>
-            </a:r>
-            <a:r>
-              <a:rPr lang="es-ES" sz="1600" dirty="0" err="1"/>
-              <a:t>to</a:t>
-            </a:r>
-            <a:r>
-              <a:rPr lang="es-ES" sz="1600" dirty="0"/>
-              <a:t> </a:t>
-            </a:r>
-            <a:r>
-              <a:rPr lang="es-ES" sz="1600" dirty="0" err="1"/>
-              <a:t>factors</a:t>
-            </a:r>
-            <a:r>
-              <a:rPr lang="es-ES" sz="1600" dirty="0"/>
-              <a:t> </a:t>
-            </a:r>
-            <a:r>
-              <a:rPr lang="es-ES" sz="1600" dirty="0" err="1"/>
-              <a:t>such</a:t>
-            </a:r>
-            <a:r>
-              <a:rPr lang="es-ES" sz="1600" dirty="0"/>
-              <a:t> as:</a:t>
-            </a:r>
-          </a:p>
-          <a:p>
-            <a:pPr marL="285750" indent="-285750">
-              <a:buFontTx/>
-              <a:buChar char="-"/>
-            </a:pPr>
-            <a:r>
-              <a:rPr lang="es-ES" sz="1600" dirty="0" err="1"/>
-              <a:t>Wind</a:t>
-            </a:r>
-            <a:r>
-              <a:rPr lang="es-ES" sz="1600" dirty="0"/>
-              <a:t> </a:t>
-            </a:r>
-            <a:r>
-              <a:rPr lang="es-ES" sz="1600" dirty="0" err="1"/>
-              <a:t>speed</a:t>
-            </a:r>
-            <a:r>
-              <a:rPr lang="es-ES" sz="1600" dirty="0"/>
-              <a:t>, </a:t>
-            </a:r>
-            <a:r>
-              <a:rPr lang="es-ES" sz="1600" dirty="0" err="1"/>
-              <a:t>Distance</a:t>
-            </a:r>
-            <a:r>
-              <a:rPr lang="es-ES" sz="1600" dirty="0"/>
-              <a:t> </a:t>
-            </a:r>
-            <a:r>
-              <a:rPr lang="es-ES" sz="1600" dirty="0" err="1"/>
-              <a:t>to</a:t>
-            </a:r>
-            <a:r>
-              <a:rPr lang="es-ES" sz="1600" dirty="0"/>
-              <a:t> shore, </a:t>
-            </a:r>
-            <a:r>
-              <a:rPr lang="es-ES" sz="1600" dirty="0" err="1"/>
-              <a:t>Water</a:t>
-            </a:r>
-            <a:r>
-              <a:rPr lang="es-ES" sz="1600" dirty="0"/>
-              <a:t> Depth</a:t>
-            </a:r>
-          </a:p>
-          <a:p>
-            <a:pPr marL="285750" indent="-285750">
-              <a:buFontTx/>
-              <a:buChar char="-"/>
-            </a:pPr>
-            <a:r>
-              <a:rPr lang="es-ES" sz="1600" dirty="0"/>
-              <a:t>Flora, fauna, human </a:t>
-            </a:r>
-            <a:r>
-              <a:rPr lang="es-ES" sz="1600" dirty="0" err="1"/>
-              <a:t>activities</a:t>
-            </a:r>
-            <a:r>
-              <a:rPr lang="es-ES" sz="1600" dirty="0"/>
-              <a:t> </a:t>
-            </a:r>
-          </a:p>
-          <a:p>
-            <a:r>
-              <a:rPr lang="es-ES" sz="1600" dirty="0" err="1"/>
-              <a:t>Our</a:t>
-            </a:r>
-            <a:r>
-              <a:rPr lang="es-ES" sz="1600" dirty="0"/>
-              <a:t> </a:t>
-            </a:r>
-            <a:r>
-              <a:rPr lang="es-ES" sz="1600" dirty="0" err="1"/>
-              <a:t>team</a:t>
-            </a:r>
-            <a:r>
-              <a:rPr lang="es-ES" sz="1600" dirty="0"/>
-              <a:t> </a:t>
-            </a:r>
-            <a:r>
-              <a:rPr lang="es-ES" sz="1600" dirty="0" err="1"/>
-              <a:t>aims</a:t>
-            </a:r>
-            <a:r>
-              <a:rPr lang="es-ES" sz="1600" dirty="0"/>
-              <a:t> </a:t>
-            </a:r>
-            <a:r>
-              <a:rPr lang="es-ES" sz="1600" dirty="0" err="1"/>
-              <a:t>to</a:t>
-            </a:r>
-            <a:r>
-              <a:rPr lang="es-ES" sz="1600" dirty="0"/>
-              <a:t> </a:t>
-            </a:r>
-            <a:r>
-              <a:rPr lang="es-ES" sz="1600" dirty="0" err="1"/>
-              <a:t>develop</a:t>
-            </a:r>
-            <a:r>
-              <a:rPr lang="es-ES" sz="1600" dirty="0"/>
-              <a:t> a </a:t>
-            </a:r>
-            <a:r>
-              <a:rPr lang="es-ES" sz="1600" dirty="0" err="1"/>
-              <a:t>tool</a:t>
-            </a:r>
-            <a:r>
-              <a:rPr lang="es-ES" sz="1600" dirty="0"/>
-              <a:t> </a:t>
-            </a:r>
-            <a:r>
-              <a:rPr lang="es-ES" sz="1600" dirty="0" err="1"/>
-              <a:t>to</a:t>
-            </a:r>
-            <a:r>
-              <a:rPr lang="es-ES" sz="1600" dirty="0"/>
-              <a:t> </a:t>
-            </a:r>
-            <a:r>
-              <a:rPr lang="es-ES" sz="1600" dirty="0" err="1"/>
-              <a:t>help</a:t>
-            </a:r>
-            <a:r>
-              <a:rPr lang="es-ES" sz="1600" dirty="0"/>
-              <a:t> </a:t>
-            </a:r>
-            <a:r>
-              <a:rPr lang="es-ES" sz="1600" dirty="0" err="1"/>
-              <a:t>industry</a:t>
-            </a:r>
-            <a:r>
-              <a:rPr lang="es-ES" sz="1600" dirty="0"/>
-              <a:t> </a:t>
-            </a:r>
-            <a:r>
-              <a:rPr lang="es-ES" sz="1600" dirty="0" err="1"/>
-              <a:t>leaders</a:t>
-            </a:r>
-            <a:r>
-              <a:rPr lang="es-ES" sz="1600" dirty="0"/>
-              <a:t> </a:t>
-            </a:r>
-            <a:r>
-              <a:rPr lang="es-ES" sz="1600" dirty="0" err="1"/>
-              <a:t>to</a:t>
-            </a:r>
-            <a:r>
-              <a:rPr lang="es-ES" sz="1600" dirty="0"/>
-              <a:t> </a:t>
-            </a:r>
-            <a:r>
-              <a:rPr lang="es-ES" sz="1600" dirty="0" err="1"/>
-              <a:t>take</a:t>
-            </a:r>
-            <a:r>
-              <a:rPr lang="es-ES" sz="1600" dirty="0"/>
-              <a:t> </a:t>
-            </a:r>
-            <a:r>
-              <a:rPr lang="es-ES" sz="1600" dirty="0" err="1"/>
-              <a:t>informed</a:t>
-            </a:r>
-            <a:r>
-              <a:rPr lang="es-ES" sz="1600" dirty="0"/>
-              <a:t> </a:t>
-            </a:r>
-            <a:r>
-              <a:rPr lang="es-ES" sz="1600" dirty="0" err="1"/>
-              <a:t>decisions</a:t>
-            </a:r>
-            <a:r>
-              <a:rPr lang="es-ES" sz="1600" dirty="0"/>
-              <a:t> </a:t>
-            </a:r>
-            <a:r>
-              <a:rPr lang="es-ES" sz="1600" dirty="0" err="1"/>
-              <a:t>regarding</a:t>
-            </a:r>
-            <a:r>
-              <a:rPr lang="es-ES" sz="1600" dirty="0"/>
-              <a:t> </a:t>
-            </a:r>
-            <a:r>
-              <a:rPr lang="es-ES" sz="1600" dirty="0" err="1"/>
-              <a:t>the</a:t>
-            </a:r>
-            <a:r>
-              <a:rPr lang="es-ES" sz="1600" dirty="0"/>
-              <a:t> </a:t>
-            </a:r>
-            <a:r>
-              <a:rPr lang="es-ES" sz="1600" dirty="0" err="1"/>
-              <a:t>location</a:t>
-            </a:r>
-            <a:r>
-              <a:rPr lang="es-ES" sz="1600" dirty="0"/>
-              <a:t> </a:t>
-            </a:r>
-            <a:r>
-              <a:rPr lang="es-ES" sz="1600" dirty="0" err="1"/>
-              <a:t>of</a:t>
-            </a:r>
-            <a:r>
-              <a:rPr lang="es-ES" sz="1600" dirty="0"/>
-              <a:t> </a:t>
-            </a:r>
-            <a:r>
-              <a:rPr lang="es-ES" sz="1600" dirty="0" err="1"/>
-              <a:t>the</a:t>
-            </a:r>
-            <a:r>
-              <a:rPr lang="es-ES" sz="1600" dirty="0"/>
-              <a:t> sites</a:t>
-            </a:r>
-            <a:endParaRPr lang="fr-FR" sz="1600" dirty="0"/>
-          </a:p>
-        </p:txBody>
-      </p:sp>
-    </p:spTree>
-    <p:extLst>
-      <p:ext uri="{BB962C8B-B14F-4D97-AF65-F5344CB8AC3E}">
-        <p14:creationId xmlns:p14="http://schemas.microsoft.com/office/powerpoint/2010/main" val="3757791663"/>
-      </p:ext>
-    </p:extLst>
-  </p:cSld>
-  <p:clrMapOvr>
-    <a:masterClrMapping/>
-  </p:clrMapOvr>
-</p:sld>
-</file>
-
-<file path=ppt/slides/slide3.xml><?xml version="1.0" encoding="utf-8"?>
 <p:sld xmlns:a="http://schemas.openxmlformats.org/drawingml/2006/main" xmlns:r="http://schemas.openxmlformats.org/officeDocument/2006/relationships" xmlns:p="http://schemas.openxmlformats.org/presentationml/2006/main">
   <p:cSld>
     <p:spTree>
@@ -10300,6 +9508,78 @@
           </a:p>
         </p:txBody>
       </p:sp>
+      <p:sp>
+        <p:nvSpPr>
+          <p:cNvPr id="18" name="TextBox 17">
+            <a:extLst>
+              <a:ext uri="{FF2B5EF4-FFF2-40B4-BE49-F238E27FC236}">
+                <a16:creationId xmlns:a16="http://schemas.microsoft.com/office/drawing/2014/main" id="{2F90388A-4AF4-4911-AA69-E94C0657B6B4}"/>
+              </a:ext>
+            </a:extLst>
+          </p:cNvPr>
+          <p:cNvSpPr txBox="1"/>
+          <p:nvPr/>
+        </p:nvSpPr>
+        <p:spPr>
+          <a:xfrm>
+            <a:off x="11425293" y="6478174"/>
+            <a:ext cx="766707" cy="276999"/>
+          </a:xfrm>
+          <a:prstGeom prst="rect">
+            <a:avLst/>
+          </a:prstGeom>
+          <a:noFill/>
+        </p:spPr>
+        <p:txBody>
+          <a:bodyPr wrap="square" rtlCol="0">
+            <a:spAutoFit/>
+          </a:bodyPr>
+          <a:lstStyle/>
+          <a:p>
+            <a:r>
+              <a:rPr lang="es-ES" sz="1200" dirty="0" err="1">
+                <a:solidFill>
+                  <a:schemeClr val="bg1"/>
+                </a:solidFill>
+                <a:highlight>
+                  <a:srgbClr val="000000"/>
+                </a:highlight>
+              </a:rPr>
+              <a:t>Slide</a:t>
+            </a:r>
+            <a:r>
+              <a:rPr lang="es-ES" sz="1200" dirty="0">
+                <a:solidFill>
+                  <a:schemeClr val="bg1"/>
+                </a:solidFill>
+                <a:highlight>
+                  <a:srgbClr val="000000"/>
+                </a:highlight>
+              </a:rPr>
+              <a:t> #</a:t>
+            </a:r>
+            <a:fld id="{E4BFFA03-8967-4DF2-A787-DF27C88B15DD}" type="slidenum">
+              <a:rPr lang="es-ES" sz="1200" smtClean="0">
+                <a:solidFill>
+                  <a:schemeClr val="bg1"/>
+                </a:solidFill>
+                <a:highlight>
+                  <a:srgbClr val="000000"/>
+                </a:highlight>
+              </a:rPr>
+              <a:t>2</a:t>
+            </a:fld>
+            <a:endParaRPr lang="fr-FR" sz="1200" dirty="0">
+              <a:solidFill>
+                <a:schemeClr val="bg1"/>
+              </a:solidFill>
+              <a:highlight>
+                <a:srgbClr val="000000"/>
+              </a:highlight>
+            </a:endParaRPr>
+          </a:p>
+        </p:txBody>
+      </p:sp>
     </p:spTree>
     <p:extLst>
       <p:ext uri="{BB962C8B-B14F-4D97-AF65-F5344CB8AC3E}">
@@ -10313,7 +9593,7 @@
 </p:sld>
 </file>
 
-<file path=ppt/slides/slide4.xml><?xml version="1.0" encoding="utf-8"?>
+<file path=ppt/slides/slide3.xml><?xml version="1.0" encoding="utf-8"?>
 <p:sld xmlns:a="http://schemas.openxmlformats.org/drawingml/2006/main" xmlns:r="http://schemas.openxmlformats.org/officeDocument/2006/relationships" xmlns:p="http://schemas.openxmlformats.org/presentationml/2006/main">
   <p:cSld>
     <p:spTree>
@@ -11048,6 +10328,78 @@
           </a:p>
         </p:txBody>
       </p:sp>
+      <p:sp>
+        <p:nvSpPr>
+          <p:cNvPr id="27" name="TextBox 26">
+            <a:extLst>
+              <a:ext uri="{FF2B5EF4-FFF2-40B4-BE49-F238E27FC236}">
+                <a16:creationId xmlns:a16="http://schemas.microsoft.com/office/drawing/2014/main" id="{11633309-B30F-4B3D-AE62-690BCD8E9CB4}"/>
+              </a:ext>
+            </a:extLst>
+          </p:cNvPr>
+          <p:cNvSpPr txBox="1"/>
+          <p:nvPr/>
+        </p:nvSpPr>
+        <p:spPr>
+          <a:xfrm>
+            <a:off x="11425293" y="6478174"/>
+            <a:ext cx="766707" cy="276999"/>
+          </a:xfrm>
+          <a:prstGeom prst="rect">
+            <a:avLst/>
+          </a:prstGeom>
+          <a:noFill/>
+        </p:spPr>
+        <p:txBody>
+          <a:bodyPr wrap="square" rtlCol="0">
+            <a:spAutoFit/>
+          </a:bodyPr>
+          <a:lstStyle/>
+          <a:p>
+            <a:r>
+              <a:rPr lang="es-ES" sz="1200" dirty="0" err="1">
+                <a:solidFill>
+                  <a:schemeClr val="bg1"/>
+                </a:solidFill>
+                <a:highlight>
+                  <a:srgbClr val="000000"/>
+                </a:highlight>
+              </a:rPr>
+              <a:t>Slide</a:t>
+            </a:r>
+            <a:r>
+              <a:rPr lang="es-ES" sz="1200" dirty="0">
+                <a:solidFill>
+                  <a:schemeClr val="bg1"/>
+                </a:solidFill>
+                <a:highlight>
+                  <a:srgbClr val="000000"/>
+                </a:highlight>
+              </a:rPr>
+              <a:t> #</a:t>
+            </a:r>
+            <a:fld id="{E4BFFA03-8967-4DF2-A787-DF27C88B15DD}" type="slidenum">
+              <a:rPr lang="es-ES" sz="1200" smtClean="0">
+                <a:solidFill>
+                  <a:schemeClr val="bg1"/>
+                </a:solidFill>
+                <a:highlight>
+                  <a:srgbClr val="000000"/>
+                </a:highlight>
+              </a:rPr>
+              <a:t>3</a:t>
+            </a:fld>
+            <a:endParaRPr lang="fr-FR" sz="1200" dirty="0">
+              <a:solidFill>
+                <a:schemeClr val="bg1"/>
+              </a:solidFill>
+              <a:highlight>
+                <a:srgbClr val="000000"/>
+              </a:highlight>
+            </a:endParaRPr>
+          </a:p>
+        </p:txBody>
+      </p:sp>
     </p:spTree>
     <p:extLst>
       <p:ext uri="{BB962C8B-B14F-4D97-AF65-F5344CB8AC3E}">
@@ -11061,7 +10413,7 @@
 </p:sld>
 </file>
 
-<file path=ppt/slides/slide5.xml><?xml version="1.0" encoding="utf-8"?>
+<file path=ppt/slides/slide4.xml><?xml version="1.0" encoding="utf-8"?>
 <p:sld xmlns:a="http://schemas.openxmlformats.org/drawingml/2006/main" xmlns:r="http://schemas.openxmlformats.org/officeDocument/2006/relationships" xmlns:p="http://schemas.openxmlformats.org/presentationml/2006/main">
   <p:cSld>
     <p:bg>
@@ -11671,6 +11023,78 @@
           </a:fontRef>
         </p:style>
       </p:cxnSp>
+      <p:sp>
+        <p:nvSpPr>
+          <p:cNvPr id="16" name="TextBox 15">
+            <a:extLst>
+              <a:ext uri="{FF2B5EF4-FFF2-40B4-BE49-F238E27FC236}">
+                <a16:creationId xmlns:a16="http://schemas.microsoft.com/office/drawing/2014/main" id="{5C9FB39D-1342-4616-BC92-B71BAFE3474A}"/>
+              </a:ext>
+            </a:extLst>
+          </p:cNvPr>
+          <p:cNvSpPr txBox="1"/>
+          <p:nvPr/>
+        </p:nvSpPr>
+        <p:spPr>
+          <a:xfrm>
+            <a:off x="11425293" y="6478174"/>
+            <a:ext cx="766707" cy="276999"/>
+          </a:xfrm>
+          <a:prstGeom prst="rect">
+            <a:avLst/>
+          </a:prstGeom>
+          <a:noFill/>
+        </p:spPr>
+        <p:txBody>
+          <a:bodyPr wrap="square" rtlCol="0">
+            <a:spAutoFit/>
+          </a:bodyPr>
+          <a:lstStyle/>
+          <a:p>
+            <a:r>
+              <a:rPr lang="es-ES" sz="1200" dirty="0" err="1">
+                <a:solidFill>
+                  <a:schemeClr val="bg1"/>
+                </a:solidFill>
+                <a:highlight>
+                  <a:srgbClr val="000000"/>
+                </a:highlight>
+              </a:rPr>
+              <a:t>Slide</a:t>
+            </a:r>
+            <a:r>
+              <a:rPr lang="es-ES" sz="1200" dirty="0">
+                <a:solidFill>
+                  <a:schemeClr val="bg1"/>
+                </a:solidFill>
+                <a:highlight>
+                  <a:srgbClr val="000000"/>
+                </a:highlight>
+              </a:rPr>
+              <a:t> #</a:t>
+            </a:r>
+            <a:fld id="{E4BFFA03-8967-4DF2-A787-DF27C88B15DD}" type="slidenum">
+              <a:rPr lang="es-ES" sz="1200" smtClean="0">
+                <a:solidFill>
+                  <a:schemeClr val="bg1"/>
+                </a:solidFill>
+                <a:highlight>
+                  <a:srgbClr val="000000"/>
+                </a:highlight>
+              </a:rPr>
+              <a:t>4</a:t>
+            </a:fld>
+            <a:endParaRPr lang="fr-FR" sz="1200" dirty="0">
+              <a:solidFill>
+                <a:schemeClr val="bg1"/>
+              </a:solidFill>
+              <a:highlight>
+                <a:srgbClr val="000000"/>
+              </a:highlight>
+            </a:endParaRPr>
+          </a:p>
+        </p:txBody>
+      </p:sp>
     </p:spTree>
     <p:extLst>
       <p:ext uri="{BB962C8B-B14F-4D97-AF65-F5344CB8AC3E}">
@@ -11817,7 +11241,7 @@
 </p:sld>
 </file>
 
-<file path=ppt/slides/slide6.xml><?xml version="1.0" encoding="utf-8"?>
+<file path=ppt/slides/slide5.xml><?xml version="1.0" encoding="utf-8"?>
 <p:sld xmlns:a="http://schemas.openxmlformats.org/drawingml/2006/main" xmlns:r="http://schemas.openxmlformats.org/officeDocument/2006/relationships" xmlns:p="http://schemas.openxmlformats.org/presentationml/2006/main">
   <p:cSld>
     <p:spTree>
@@ -12809,6 +12233,78 @@
           </a:fontRef>
         </p:style>
       </p:cxnSp>
+      <p:sp>
+        <p:nvSpPr>
+          <p:cNvPr id="28" name="TextBox 27">
+            <a:extLst>
+              <a:ext uri="{FF2B5EF4-FFF2-40B4-BE49-F238E27FC236}">
+                <a16:creationId xmlns:a16="http://schemas.microsoft.com/office/drawing/2014/main" id="{2F62F92C-4909-414A-92F9-991D2E14B007}"/>
+              </a:ext>
+            </a:extLst>
+          </p:cNvPr>
+          <p:cNvSpPr txBox="1"/>
+          <p:nvPr/>
+        </p:nvSpPr>
+        <p:spPr>
+          <a:xfrm>
+            <a:off x="11425293" y="6478174"/>
+            <a:ext cx="766707" cy="276999"/>
+          </a:xfrm>
+          <a:prstGeom prst="rect">
+            <a:avLst/>
+          </a:prstGeom>
+          <a:noFill/>
+        </p:spPr>
+        <p:txBody>
+          <a:bodyPr wrap="square" rtlCol="0">
+            <a:spAutoFit/>
+          </a:bodyPr>
+          <a:lstStyle/>
+          <a:p>
+            <a:r>
+              <a:rPr lang="es-ES" sz="1200" dirty="0" err="1">
+                <a:solidFill>
+                  <a:schemeClr val="bg1"/>
+                </a:solidFill>
+                <a:highlight>
+                  <a:srgbClr val="000000"/>
+                </a:highlight>
+              </a:rPr>
+              <a:t>Slide</a:t>
+            </a:r>
+            <a:r>
+              <a:rPr lang="es-ES" sz="1200" dirty="0">
+                <a:solidFill>
+                  <a:schemeClr val="bg1"/>
+                </a:solidFill>
+                <a:highlight>
+                  <a:srgbClr val="000000"/>
+                </a:highlight>
+              </a:rPr>
+              <a:t> #</a:t>
+            </a:r>
+            <a:fld id="{E4BFFA03-8967-4DF2-A787-DF27C88B15DD}" type="slidenum">
+              <a:rPr lang="es-ES" sz="1200" smtClean="0">
+                <a:solidFill>
+                  <a:schemeClr val="bg1"/>
+                </a:solidFill>
+                <a:highlight>
+                  <a:srgbClr val="000000"/>
+                </a:highlight>
+              </a:rPr>
+              <a:t>5</a:t>
+            </a:fld>
+            <a:endParaRPr lang="fr-FR" sz="1200" dirty="0">
+              <a:solidFill>
+                <a:schemeClr val="bg1"/>
+              </a:solidFill>
+              <a:highlight>
+                <a:srgbClr val="000000"/>
+              </a:highlight>
+            </a:endParaRPr>
+          </a:p>
+        </p:txBody>
+      </p:sp>
     </p:spTree>
     <p:extLst>
       <p:ext uri="{BB962C8B-B14F-4D97-AF65-F5344CB8AC3E}">
@@ -12822,7 +12318,7 @@
 </p:sld>
 </file>
 
-<file path=ppt/slides/slide7.xml><?xml version="1.0" encoding="utf-8"?>
+<file path=ppt/slides/slide6.xml><?xml version="1.0" encoding="utf-8"?>
 <p:sld xmlns:a="http://schemas.openxmlformats.org/drawingml/2006/main" xmlns:r="http://schemas.openxmlformats.org/officeDocument/2006/relationships" xmlns:p="http://schemas.openxmlformats.org/presentationml/2006/main">
   <p:cSld>
     <p:spTree>
@@ -13694,6 +13190,78 @@
           </a:p>
         </p:txBody>
       </p:sp>
+      <p:sp>
+        <p:nvSpPr>
+          <p:cNvPr id="24" name="TextBox 23">
+            <a:extLst>
+              <a:ext uri="{FF2B5EF4-FFF2-40B4-BE49-F238E27FC236}">
+                <a16:creationId xmlns:a16="http://schemas.microsoft.com/office/drawing/2014/main" id="{656618AA-1F6A-4B23-AA8F-59BD2E735130}"/>
+              </a:ext>
+            </a:extLst>
+          </p:cNvPr>
+          <p:cNvSpPr txBox="1"/>
+          <p:nvPr/>
+        </p:nvSpPr>
+        <p:spPr>
+          <a:xfrm>
+            <a:off x="11425293" y="6478174"/>
+            <a:ext cx="766707" cy="276999"/>
+          </a:xfrm>
+          <a:prstGeom prst="rect">
+            <a:avLst/>
+          </a:prstGeom>
+          <a:noFill/>
+        </p:spPr>
+        <p:txBody>
+          <a:bodyPr wrap="square" rtlCol="0">
+            <a:spAutoFit/>
+          </a:bodyPr>
+          <a:lstStyle/>
+          <a:p>
+            <a:r>
+              <a:rPr lang="es-ES" sz="1200" dirty="0" err="1">
+                <a:solidFill>
+                  <a:schemeClr val="bg1"/>
+                </a:solidFill>
+                <a:highlight>
+                  <a:srgbClr val="000000"/>
+                </a:highlight>
+              </a:rPr>
+              <a:t>Slide</a:t>
+            </a:r>
+            <a:r>
+              <a:rPr lang="es-ES" sz="1200" dirty="0">
+                <a:solidFill>
+                  <a:schemeClr val="bg1"/>
+                </a:solidFill>
+                <a:highlight>
+                  <a:srgbClr val="000000"/>
+                </a:highlight>
+              </a:rPr>
+              <a:t> #</a:t>
+            </a:r>
+            <a:fld id="{E4BFFA03-8967-4DF2-A787-DF27C88B15DD}" type="slidenum">
+              <a:rPr lang="es-ES" sz="1200" smtClean="0">
+                <a:solidFill>
+                  <a:schemeClr val="bg1"/>
+                </a:solidFill>
+                <a:highlight>
+                  <a:srgbClr val="000000"/>
+                </a:highlight>
+              </a:rPr>
+              <a:t>6</a:t>
+            </a:fld>
+            <a:endParaRPr lang="fr-FR" sz="1200" dirty="0">
+              <a:solidFill>
+                <a:schemeClr val="bg1"/>
+              </a:solidFill>
+              <a:highlight>
+                <a:srgbClr val="000000"/>
+              </a:highlight>
+            </a:endParaRPr>
+          </a:p>
+        </p:txBody>
+      </p:sp>
     </p:spTree>
     <p:extLst>
       <p:ext uri="{BB962C8B-B14F-4D97-AF65-F5344CB8AC3E}">
@@ -13707,7 +13275,7 @@
 </p:sld>
 </file>
 
-<file path=ppt/slides/slide8.xml><?xml version="1.0" encoding="utf-8"?>
+<file path=ppt/slides/slide7.xml><?xml version="1.0" encoding="utf-8"?>
 <p:sld xmlns:a="http://schemas.openxmlformats.org/drawingml/2006/main" xmlns:r="http://schemas.openxmlformats.org/officeDocument/2006/relationships" xmlns:p="http://schemas.openxmlformats.org/presentationml/2006/main">
   <p:cSld>
     <p:spTree>
@@ -14404,6 +13972,78 @@
           </a:p>
         </p:txBody>
       </p:sp>
+      <p:sp>
+        <p:nvSpPr>
+          <p:cNvPr id="19" name="TextBox 18">
+            <a:extLst>
+              <a:ext uri="{FF2B5EF4-FFF2-40B4-BE49-F238E27FC236}">
+                <a16:creationId xmlns:a16="http://schemas.microsoft.com/office/drawing/2014/main" id="{A8B4D69B-D613-4B19-967F-6C41F82557AA}"/>
+              </a:ext>
+            </a:extLst>
+          </p:cNvPr>
+          <p:cNvSpPr txBox="1"/>
+          <p:nvPr/>
+        </p:nvSpPr>
+        <p:spPr>
+          <a:xfrm>
+            <a:off x="11425293" y="6478174"/>
+            <a:ext cx="766707" cy="276999"/>
+          </a:xfrm>
+          <a:prstGeom prst="rect">
+            <a:avLst/>
+          </a:prstGeom>
+          <a:noFill/>
+        </p:spPr>
+        <p:txBody>
+          <a:bodyPr wrap="square" rtlCol="0">
+            <a:spAutoFit/>
+          </a:bodyPr>
+          <a:lstStyle/>
+          <a:p>
+            <a:r>
+              <a:rPr lang="es-ES" sz="1200" dirty="0" err="1">
+                <a:solidFill>
+                  <a:schemeClr val="bg1"/>
+                </a:solidFill>
+                <a:highlight>
+                  <a:srgbClr val="000000"/>
+                </a:highlight>
+              </a:rPr>
+              <a:t>Slide</a:t>
+            </a:r>
+            <a:r>
+              <a:rPr lang="es-ES" sz="1200" dirty="0">
+                <a:solidFill>
+                  <a:schemeClr val="bg1"/>
+                </a:solidFill>
+                <a:highlight>
+                  <a:srgbClr val="000000"/>
+                </a:highlight>
+              </a:rPr>
+              <a:t> #</a:t>
+            </a:r>
+            <a:fld id="{E4BFFA03-8967-4DF2-A787-DF27C88B15DD}" type="slidenum">
+              <a:rPr lang="es-ES" sz="1200" smtClean="0">
+                <a:solidFill>
+                  <a:schemeClr val="bg1"/>
+                </a:solidFill>
+                <a:highlight>
+                  <a:srgbClr val="000000"/>
+                </a:highlight>
+              </a:rPr>
+              <a:t>7</a:t>
+            </a:fld>
+            <a:endParaRPr lang="fr-FR" sz="1200" dirty="0">
+              <a:solidFill>
+                <a:schemeClr val="bg1"/>
+              </a:solidFill>
+              <a:highlight>
+                <a:srgbClr val="000000"/>
+              </a:highlight>
+            </a:endParaRPr>
+          </a:p>
+        </p:txBody>
+      </p:sp>
     </p:spTree>
     <p:extLst>
       <p:ext uri="{BB962C8B-B14F-4D97-AF65-F5344CB8AC3E}">
@@ -14417,7 +14057,7 @@
 </p:sld>
 </file>
 
-<file path=ppt/slides/slide9.xml><?xml version="1.0" encoding="utf-8"?>
+<file path=ppt/slides/slide8.xml><?xml version="1.0" encoding="utf-8"?>
 <p:sld xmlns:a="http://schemas.openxmlformats.org/drawingml/2006/main" xmlns:r="http://schemas.openxmlformats.org/officeDocument/2006/relationships" xmlns:p="http://schemas.openxmlformats.org/presentationml/2006/main">
   <p:cSld>
     <p:spTree>
@@ -15736,10 +15376,829 @@
           </a:p>
         </p:txBody>
       </p:sp>
+      <p:sp>
+        <p:nvSpPr>
+          <p:cNvPr id="35" name="TextBox 34">
+            <a:extLst>
+              <a:ext uri="{FF2B5EF4-FFF2-40B4-BE49-F238E27FC236}">
+                <a16:creationId xmlns:a16="http://schemas.microsoft.com/office/drawing/2014/main" id="{909BBE41-D68F-43F0-BE94-9095A313B64E}"/>
+              </a:ext>
+            </a:extLst>
+          </p:cNvPr>
+          <p:cNvSpPr txBox="1"/>
+          <p:nvPr/>
+        </p:nvSpPr>
+        <p:spPr>
+          <a:xfrm>
+            <a:off x="11425293" y="6478174"/>
+            <a:ext cx="766707" cy="276999"/>
+          </a:xfrm>
+          <a:prstGeom prst="rect">
+            <a:avLst/>
+          </a:prstGeom>
+          <a:noFill/>
+        </p:spPr>
+        <p:txBody>
+          <a:bodyPr wrap="square" rtlCol="0">
+            <a:spAutoFit/>
+          </a:bodyPr>
+          <a:lstStyle/>
+          <a:p>
+            <a:r>
+              <a:rPr lang="es-ES" sz="1200" dirty="0" err="1">
+                <a:solidFill>
+                  <a:schemeClr val="bg1"/>
+                </a:solidFill>
+                <a:highlight>
+                  <a:srgbClr val="000000"/>
+                </a:highlight>
+              </a:rPr>
+              <a:t>Slide</a:t>
+            </a:r>
+            <a:r>
+              <a:rPr lang="es-ES" sz="1200" dirty="0">
+                <a:solidFill>
+                  <a:schemeClr val="bg1"/>
+                </a:solidFill>
+                <a:highlight>
+                  <a:srgbClr val="000000"/>
+                </a:highlight>
+              </a:rPr>
+              <a:t> #</a:t>
+            </a:r>
+            <a:fld id="{E4BFFA03-8967-4DF2-A787-DF27C88B15DD}" type="slidenum">
+              <a:rPr lang="es-ES" sz="1200" smtClean="0">
+                <a:solidFill>
+                  <a:schemeClr val="bg1"/>
+                </a:solidFill>
+                <a:highlight>
+                  <a:srgbClr val="000000"/>
+                </a:highlight>
+              </a:rPr>
+              <a:t>8</a:t>
+            </a:fld>
+            <a:endParaRPr lang="fr-FR" sz="1200" dirty="0">
+              <a:solidFill>
+                <a:schemeClr val="bg1"/>
+              </a:solidFill>
+              <a:highlight>
+                <a:srgbClr val="000000"/>
+              </a:highlight>
+            </a:endParaRPr>
+          </a:p>
+        </p:txBody>
+      </p:sp>
     </p:spTree>
     <p:extLst>
       <p:ext uri="{BB962C8B-B14F-4D97-AF65-F5344CB8AC3E}">
         <p14:creationId xmlns:p14="http://schemas.microsoft.com/office/powerpoint/2010/main" val="4046843095"/>
+      </p:ext>
+    </p:extLst>
+  </p:cSld>
+  <p:clrMapOvr>
+    <a:masterClrMapping/>
+  </p:clrMapOvr>
+</p:sld>
+</file>
+
+<file path=ppt/slides/slide9.xml><?xml version="1.0" encoding="utf-8"?>
+<p:sld xmlns:a="http://schemas.openxmlformats.org/drawingml/2006/main" xmlns:r="http://schemas.openxmlformats.org/officeDocument/2006/relationships" xmlns:p="http://schemas.openxmlformats.org/presentationml/2006/main">
+  <p:cSld>
+    <p:spTree>
+      <p:nvGrpSpPr>
+        <p:cNvPr id="1" name=""/>
+        <p:cNvGrpSpPr/>
+        <p:nvPr/>
+      </p:nvGrpSpPr>
+      <p:grpSpPr>
+        <a:xfrm>
+          <a:off x="0" y="0"/>
+          <a:ext cx="0" cy="0"/>
+          <a:chOff x="0" y="0"/>
+          <a:chExt cx="0" cy="0"/>
+        </a:xfrm>
+      </p:grpSpPr>
+      <p:sp>
+        <p:nvSpPr>
+          <p:cNvPr id="2" name="ZoneTexte 1">
+            <a:extLst>
+              <a:ext uri="{FF2B5EF4-FFF2-40B4-BE49-F238E27FC236}">
+                <a16:creationId xmlns:a16="http://schemas.microsoft.com/office/drawing/2014/main" id="{59F477A1-EC8A-49F5-A82B-340F62481C94}"/>
+              </a:ext>
+            </a:extLst>
+          </p:cNvPr>
+          <p:cNvSpPr txBox="1"/>
+          <p:nvPr/>
+        </p:nvSpPr>
+        <p:spPr>
+          <a:xfrm>
+            <a:off x="1577494" y="1978389"/>
+            <a:ext cx="3382392" cy="769441"/>
+          </a:xfrm>
+          <a:prstGeom prst="rect">
+            <a:avLst/>
+          </a:prstGeom>
+          <a:noFill/>
+        </p:spPr>
+        <p:txBody>
+          <a:bodyPr wrap="square" rtlCol="0">
+            <a:spAutoFit/>
+          </a:bodyPr>
+          <a:lstStyle/>
+          <a:p>
+            <a:r>
+              <a:rPr lang="fr-FR" sz="4400" dirty="0"/>
+              <a:t>Questions ?</a:t>
+            </a:r>
+          </a:p>
+        </p:txBody>
+      </p:sp>
+      <p:grpSp>
+        <p:nvGrpSpPr>
+          <p:cNvPr id="3" name="Groupe 2">
+            <a:extLst>
+              <a:ext uri="{FF2B5EF4-FFF2-40B4-BE49-F238E27FC236}">
+                <a16:creationId xmlns:a16="http://schemas.microsoft.com/office/drawing/2014/main" id="{169EF305-199C-45FC-ABF6-17240DCCD38F}"/>
+              </a:ext>
+            </a:extLst>
+          </p:cNvPr>
+          <p:cNvGrpSpPr/>
+          <p:nvPr/>
+        </p:nvGrpSpPr>
+        <p:grpSpPr>
+          <a:xfrm>
+            <a:off x="2455242" y="4750590"/>
+            <a:ext cx="6978868" cy="1802308"/>
+            <a:chOff x="77714" y="4326509"/>
+            <a:chExt cx="8041050" cy="2250272"/>
+          </a:xfrm>
+        </p:grpSpPr>
+        <p:sp>
+          <p:nvSpPr>
+            <p:cNvPr id="4" name="Rectangle 3">
+              <a:extLst>
+                <a:ext uri="{FF2B5EF4-FFF2-40B4-BE49-F238E27FC236}">
+                  <a16:creationId xmlns:a16="http://schemas.microsoft.com/office/drawing/2014/main" id="{DCD930CF-5A90-4B02-BC90-47121DFE91D4}"/>
+                </a:ext>
+              </a:extLst>
+            </p:cNvPr>
+            <p:cNvSpPr/>
+            <p:nvPr/>
+          </p:nvSpPr>
+          <p:spPr>
+            <a:xfrm>
+              <a:off x="77714" y="4326509"/>
+              <a:ext cx="8041050" cy="2120473"/>
+            </a:xfrm>
+            <a:prstGeom prst="rect">
+              <a:avLst/>
+            </a:prstGeom>
+            <a:solidFill>
+              <a:schemeClr val="bg1"/>
+            </a:solidFill>
+          </p:spPr>
+          <p:style>
+            <a:lnRef idx="2">
+              <a:schemeClr val="accent1">
+                <a:shade val="50000"/>
+              </a:schemeClr>
+            </a:lnRef>
+            <a:fillRef idx="1">
+              <a:schemeClr val="accent1"/>
+            </a:fillRef>
+            <a:effectRef idx="0">
+              <a:schemeClr val="accent1"/>
+            </a:effectRef>
+            <a:fontRef idx="minor">
+              <a:schemeClr val="lt1"/>
+            </a:fontRef>
+          </p:style>
+          <p:txBody>
+            <a:bodyPr rtlCol="0" anchor="ctr"/>
+            <a:lstStyle/>
+            <a:p>
+              <a:pPr algn="ctr"/>
+              <a:endParaRPr lang="fr-FR"/>
+            </a:p>
+          </p:txBody>
+        </p:sp>
+        <p:pic>
+          <p:nvPicPr>
+            <p:cNvPr id="5" name="Picture 3">
+              <a:extLst>
+                <a:ext uri="{FF2B5EF4-FFF2-40B4-BE49-F238E27FC236}">
+                  <a16:creationId xmlns:a16="http://schemas.microsoft.com/office/drawing/2014/main" id="{0160140C-5A9B-4FEE-8AA4-B728F068548D}"/>
+                </a:ext>
+              </a:extLst>
+            </p:cNvPr>
+            <p:cNvPicPr>
+              <a:picLocks noChangeAspect="1" noChangeArrowheads="1"/>
+            </p:cNvPicPr>
+            <p:nvPr/>
+          </p:nvPicPr>
+          <p:blipFill>
+            <a:blip r:embed="rId2" cstate="print">
+              <a:extLst>
+                <a:ext uri="{28A0092B-C50C-407E-A947-70E740481C1C}">
+                  <a14:useLocalDpi xmlns:a14="http://schemas.microsoft.com/office/drawing/2010/main" val="0"/>
+                </a:ext>
+              </a:extLst>
+            </a:blip>
+            <a:srcRect/>
+            <a:stretch>
+              <a:fillRect/>
+            </a:stretch>
+          </p:blipFill>
+          <p:spPr bwMode="auto">
+            <a:xfrm>
+              <a:off x="241107" y="4389557"/>
+              <a:ext cx="1289194" cy="1219500"/>
+            </a:xfrm>
+            <a:prstGeom prst="rect">
+              <a:avLst/>
+            </a:prstGeom>
+            <a:noFill/>
+            <a:ln>
+              <a:noFill/>
+            </a:ln>
+            <a:effectLst/>
+            <a:extLst>
+              <a:ext uri="{909E8E84-426E-40DD-AFC4-6F175D3DCCD1}">
+                <a14:hiddenFill xmlns:a14="http://schemas.microsoft.com/office/drawing/2010/main">
+                  <a:solidFill>
+                    <a:schemeClr val="accent1"/>
+                  </a:solidFill>
+                </a14:hiddenFill>
+              </a:ext>
+              <a:ext uri="{91240B29-F687-4F45-9708-019B960494DF}">
+                <a14:hiddenLine xmlns:a14="http://schemas.microsoft.com/office/drawing/2010/main" w="9525">
+                  <a:solidFill>
+                    <a:schemeClr val="tx1"/>
+                  </a:solidFill>
+                  <a:miter lim="800000"/>
+                  <a:headEnd/>
+                  <a:tailEnd/>
+                </a14:hiddenLine>
+              </a:ext>
+              <a:ext uri="{AF507438-7753-43E0-B8FC-AC1667EBCBE1}">
+                <a14:hiddenEffects xmlns:a14="http://schemas.microsoft.com/office/drawing/2010/main">
+                  <a:effectLst>
+                    <a:outerShdw dist="35921" dir="2700000" algn="ctr" rotWithShape="0">
+                      <a:schemeClr val="bg2"/>
+                    </a:outerShdw>
+                  </a:effectLst>
+                </a14:hiddenEffects>
+              </a:ext>
+            </a:extLst>
+          </p:spPr>
+        </p:pic>
+        <p:pic>
+          <p:nvPicPr>
+            <p:cNvPr id="6" name="Picture 4">
+              <a:extLst>
+                <a:ext uri="{FF2B5EF4-FFF2-40B4-BE49-F238E27FC236}">
+                  <a16:creationId xmlns:a16="http://schemas.microsoft.com/office/drawing/2014/main" id="{A9B50D90-6159-40A2-AD81-0D5DAD789111}"/>
+                </a:ext>
+              </a:extLst>
+            </p:cNvPr>
+            <p:cNvPicPr>
+              <a:picLocks noChangeAspect="1" noChangeArrowheads="1"/>
+            </p:cNvPicPr>
+            <p:nvPr/>
+          </p:nvPicPr>
+          <p:blipFill>
+            <a:blip r:embed="rId3" cstate="print">
+              <a:extLst>
+                <a:ext uri="{28A0092B-C50C-407E-A947-70E740481C1C}">
+                  <a14:useLocalDpi xmlns:a14="http://schemas.microsoft.com/office/drawing/2010/main" val="0"/>
+                </a:ext>
+              </a:extLst>
+            </a:blip>
+            <a:srcRect/>
+            <a:stretch>
+              <a:fillRect/>
+            </a:stretch>
+          </p:blipFill>
+          <p:spPr bwMode="auto">
+            <a:xfrm>
+              <a:off x="1825284" y="4389557"/>
+              <a:ext cx="1270455" cy="1219500"/>
+            </a:xfrm>
+            <a:prstGeom prst="rect">
+              <a:avLst/>
+            </a:prstGeom>
+            <a:noFill/>
+            <a:ln>
+              <a:noFill/>
+            </a:ln>
+            <a:effectLst/>
+            <a:extLst>
+              <a:ext uri="{909E8E84-426E-40DD-AFC4-6F175D3DCCD1}">
+                <a14:hiddenFill xmlns:a14="http://schemas.microsoft.com/office/drawing/2010/main">
+                  <a:solidFill>
+                    <a:schemeClr val="accent1"/>
+                  </a:solidFill>
+                </a14:hiddenFill>
+              </a:ext>
+              <a:ext uri="{91240B29-F687-4F45-9708-019B960494DF}">
+                <a14:hiddenLine xmlns:a14="http://schemas.microsoft.com/office/drawing/2010/main" w="9525">
+                  <a:solidFill>
+                    <a:schemeClr val="tx1"/>
+                  </a:solidFill>
+                  <a:miter lim="800000"/>
+                  <a:headEnd/>
+                  <a:tailEnd/>
+                </a14:hiddenLine>
+              </a:ext>
+              <a:ext uri="{AF507438-7753-43E0-B8FC-AC1667EBCBE1}">
+                <a14:hiddenEffects xmlns:a14="http://schemas.microsoft.com/office/drawing/2010/main">
+                  <a:effectLst>
+                    <a:outerShdw dist="35921" dir="2700000" algn="ctr" rotWithShape="0">
+                      <a:schemeClr val="bg2"/>
+                    </a:outerShdw>
+                  </a:effectLst>
+                </a14:hiddenEffects>
+              </a:ext>
+            </a:extLst>
+          </p:spPr>
+        </p:pic>
+        <p:pic>
+          <p:nvPicPr>
+            <p:cNvPr id="7" name="Picture 5">
+              <a:extLst>
+                <a:ext uri="{FF2B5EF4-FFF2-40B4-BE49-F238E27FC236}">
+                  <a16:creationId xmlns:a16="http://schemas.microsoft.com/office/drawing/2014/main" id="{1766C967-9740-42B0-BC8C-03CAAD7BB597}"/>
+                </a:ext>
+              </a:extLst>
+            </p:cNvPr>
+            <p:cNvPicPr>
+              <a:picLocks noChangeAspect="1" noChangeArrowheads="1"/>
+            </p:cNvPicPr>
+            <p:nvPr/>
+          </p:nvPicPr>
+          <p:blipFill>
+            <a:blip r:embed="rId4" cstate="print">
+              <a:extLst>
+                <a:ext uri="{28A0092B-C50C-407E-A947-70E740481C1C}">
+                  <a14:useLocalDpi xmlns:a14="http://schemas.microsoft.com/office/drawing/2010/main" val="0"/>
+                </a:ext>
+              </a:extLst>
+            </a:blip>
+            <a:srcRect/>
+            <a:stretch>
+              <a:fillRect/>
+            </a:stretch>
+          </p:blipFill>
+          <p:spPr bwMode="auto">
+            <a:xfrm>
+              <a:off x="3409459" y="4389557"/>
+              <a:ext cx="1289194" cy="1219500"/>
+            </a:xfrm>
+            <a:prstGeom prst="rect">
+              <a:avLst/>
+            </a:prstGeom>
+            <a:noFill/>
+            <a:ln>
+              <a:noFill/>
+            </a:ln>
+            <a:effectLst/>
+            <a:extLst>
+              <a:ext uri="{909E8E84-426E-40DD-AFC4-6F175D3DCCD1}">
+                <a14:hiddenFill xmlns:a14="http://schemas.microsoft.com/office/drawing/2010/main">
+                  <a:solidFill>
+                    <a:schemeClr val="accent1"/>
+                  </a:solidFill>
+                </a14:hiddenFill>
+              </a:ext>
+              <a:ext uri="{91240B29-F687-4F45-9708-019B960494DF}">
+                <a14:hiddenLine xmlns:a14="http://schemas.microsoft.com/office/drawing/2010/main" w="9525">
+                  <a:solidFill>
+                    <a:schemeClr val="tx1"/>
+                  </a:solidFill>
+                  <a:miter lim="800000"/>
+                  <a:headEnd/>
+                  <a:tailEnd/>
+                </a14:hiddenLine>
+              </a:ext>
+              <a:ext uri="{AF507438-7753-43E0-B8FC-AC1667EBCBE1}">
+                <a14:hiddenEffects xmlns:a14="http://schemas.microsoft.com/office/drawing/2010/main">
+                  <a:effectLst>
+                    <a:outerShdw dist="35921" dir="2700000" algn="ctr" rotWithShape="0">
+                      <a:schemeClr val="bg2"/>
+                    </a:outerShdw>
+                  </a:effectLst>
+                </a14:hiddenEffects>
+              </a:ext>
+            </a:extLst>
+          </p:spPr>
+        </p:pic>
+        <p:pic>
+          <p:nvPicPr>
+            <p:cNvPr id="8" name="Picture 6">
+              <a:extLst>
+                <a:ext uri="{FF2B5EF4-FFF2-40B4-BE49-F238E27FC236}">
+                  <a16:creationId xmlns:a16="http://schemas.microsoft.com/office/drawing/2014/main" id="{43860932-4EC5-4028-A053-023B9A8257CB}"/>
+                </a:ext>
+              </a:extLst>
+            </p:cNvPr>
+            <p:cNvPicPr>
+              <a:picLocks noChangeAspect="1" noChangeArrowheads="1"/>
+            </p:cNvPicPr>
+            <p:nvPr/>
+          </p:nvPicPr>
+          <p:blipFill>
+            <a:blip r:embed="rId5" cstate="print">
+              <a:extLst>
+                <a:ext uri="{28A0092B-C50C-407E-A947-70E740481C1C}">
+                  <a14:useLocalDpi xmlns:a14="http://schemas.microsoft.com/office/drawing/2010/main" val="0"/>
+                </a:ext>
+              </a:extLst>
+            </a:blip>
+            <a:srcRect/>
+            <a:stretch>
+              <a:fillRect/>
+            </a:stretch>
+          </p:blipFill>
+          <p:spPr bwMode="auto">
+            <a:xfrm>
+              <a:off x="5065643" y="4389557"/>
+              <a:ext cx="1289194" cy="1219500"/>
+            </a:xfrm>
+            <a:prstGeom prst="rect">
+              <a:avLst/>
+            </a:prstGeom>
+            <a:noFill/>
+            <a:ln>
+              <a:noFill/>
+            </a:ln>
+            <a:effectLst/>
+            <a:extLst>
+              <a:ext uri="{909E8E84-426E-40DD-AFC4-6F175D3DCCD1}">
+                <a14:hiddenFill xmlns:a14="http://schemas.microsoft.com/office/drawing/2010/main">
+                  <a:solidFill>
+                    <a:schemeClr val="accent1"/>
+                  </a:solidFill>
+                </a14:hiddenFill>
+              </a:ext>
+              <a:ext uri="{91240B29-F687-4F45-9708-019B960494DF}">
+                <a14:hiddenLine xmlns:a14="http://schemas.microsoft.com/office/drawing/2010/main" w="9525">
+                  <a:solidFill>
+                    <a:schemeClr val="tx1"/>
+                  </a:solidFill>
+                  <a:miter lim="800000"/>
+                  <a:headEnd/>
+                  <a:tailEnd/>
+                </a14:hiddenLine>
+              </a:ext>
+              <a:ext uri="{AF507438-7753-43E0-B8FC-AC1667EBCBE1}">
+                <a14:hiddenEffects xmlns:a14="http://schemas.microsoft.com/office/drawing/2010/main">
+                  <a:effectLst>
+                    <a:outerShdw dist="35921" dir="2700000" algn="ctr" rotWithShape="0">
+                      <a:schemeClr val="bg2"/>
+                    </a:outerShdw>
+                  </a:effectLst>
+                </a14:hiddenEffects>
+              </a:ext>
+            </a:extLst>
+          </p:spPr>
+        </p:pic>
+        <p:pic>
+          <p:nvPicPr>
+            <p:cNvPr id="9" name="Picture 7">
+              <a:extLst>
+                <a:ext uri="{FF2B5EF4-FFF2-40B4-BE49-F238E27FC236}">
+                  <a16:creationId xmlns:a16="http://schemas.microsoft.com/office/drawing/2014/main" id="{3A19ABF5-0BF6-4D30-A853-F8A1F4E73D25}"/>
+                </a:ext>
+              </a:extLst>
+            </p:cNvPr>
+            <p:cNvPicPr>
+              <a:picLocks noChangeAspect="1" noChangeArrowheads="1"/>
+            </p:cNvPicPr>
+            <p:nvPr/>
+          </p:nvPicPr>
+          <p:blipFill>
+            <a:blip r:embed="rId6" cstate="print">
+              <a:extLst>
+                <a:ext uri="{28A0092B-C50C-407E-A947-70E740481C1C}">
+                  <a14:useLocalDpi xmlns:a14="http://schemas.microsoft.com/office/drawing/2010/main" val="0"/>
+                </a:ext>
+              </a:extLst>
+            </a:blip>
+            <a:srcRect/>
+            <a:stretch>
+              <a:fillRect/>
+            </a:stretch>
+          </p:blipFill>
+          <p:spPr bwMode="auto">
+            <a:xfrm>
+              <a:off x="6721827" y="4389557"/>
+              <a:ext cx="1289194" cy="1219500"/>
+            </a:xfrm>
+            <a:prstGeom prst="rect">
+              <a:avLst/>
+            </a:prstGeom>
+            <a:noFill/>
+            <a:ln>
+              <a:noFill/>
+            </a:ln>
+            <a:effectLst/>
+            <a:extLst>
+              <a:ext uri="{909E8E84-426E-40DD-AFC4-6F175D3DCCD1}">
+                <a14:hiddenFill xmlns:a14="http://schemas.microsoft.com/office/drawing/2010/main">
+                  <a:solidFill>
+                    <a:schemeClr val="accent1"/>
+                  </a:solidFill>
+                </a14:hiddenFill>
+              </a:ext>
+              <a:ext uri="{91240B29-F687-4F45-9708-019B960494DF}">
+                <a14:hiddenLine xmlns:a14="http://schemas.microsoft.com/office/drawing/2010/main" w="9525">
+                  <a:solidFill>
+                    <a:schemeClr val="tx1"/>
+                  </a:solidFill>
+                  <a:miter lim="800000"/>
+                  <a:headEnd/>
+                  <a:tailEnd/>
+                </a14:hiddenLine>
+              </a:ext>
+              <a:ext uri="{AF507438-7753-43E0-B8FC-AC1667EBCBE1}">
+                <a14:hiddenEffects xmlns:a14="http://schemas.microsoft.com/office/drawing/2010/main">
+                  <a:effectLst>
+                    <a:outerShdw dist="35921" dir="2700000" algn="ctr" rotWithShape="0">
+                      <a:schemeClr val="bg2"/>
+                    </a:outerShdw>
+                  </a:effectLst>
+                </a14:hiddenEffects>
+              </a:ext>
+            </a:extLst>
+          </p:spPr>
+        </p:pic>
+        <p:sp>
+          <p:nvSpPr>
+            <p:cNvPr id="10" name="ZoneTexte 9">
+              <a:extLst>
+                <a:ext uri="{FF2B5EF4-FFF2-40B4-BE49-F238E27FC236}">
+                  <a16:creationId xmlns:a16="http://schemas.microsoft.com/office/drawing/2014/main" id="{9A65B9C9-A394-49CB-8731-58973AC6A218}"/>
+                </a:ext>
+              </a:extLst>
+            </p:cNvPr>
+            <p:cNvSpPr txBox="1"/>
+            <p:nvPr/>
+          </p:nvSpPr>
+          <p:spPr>
+            <a:xfrm>
+              <a:off x="241107" y="5829718"/>
+              <a:ext cx="1289194" cy="523220"/>
+            </a:xfrm>
+            <a:prstGeom prst="rect">
+              <a:avLst/>
+            </a:prstGeom>
+            <a:noFill/>
+          </p:spPr>
+          <p:txBody>
+            <a:bodyPr wrap="square" rtlCol="0">
+              <a:spAutoFit/>
+            </a:bodyPr>
+            <a:lstStyle/>
+            <a:p>
+              <a:r>
+                <a:rPr lang="fr-FR" sz="1400" dirty="0"/>
+                <a:t>LAMANI Bouabdellah</a:t>
+              </a:r>
+            </a:p>
+          </p:txBody>
+        </p:sp>
+        <p:sp>
+          <p:nvSpPr>
+            <p:cNvPr id="11" name="ZoneTexte 10">
+              <a:extLst>
+                <a:ext uri="{FF2B5EF4-FFF2-40B4-BE49-F238E27FC236}">
+                  <a16:creationId xmlns:a16="http://schemas.microsoft.com/office/drawing/2014/main" id="{B82E496C-EFA6-421C-9B20-9A4A20C3E1A2}"/>
+                </a:ext>
+              </a:extLst>
+            </p:cNvPr>
+            <p:cNvSpPr txBox="1"/>
+            <p:nvPr/>
+          </p:nvSpPr>
+          <p:spPr>
+            <a:xfrm>
+              <a:off x="3444961" y="5829718"/>
+              <a:ext cx="1289194" cy="523220"/>
+            </a:xfrm>
+            <a:prstGeom prst="rect">
+              <a:avLst/>
+            </a:prstGeom>
+            <a:noFill/>
+          </p:spPr>
+          <p:txBody>
+            <a:bodyPr wrap="square" rtlCol="0">
+              <a:spAutoFit/>
+            </a:bodyPr>
+            <a:lstStyle/>
+            <a:p>
+              <a:r>
+                <a:rPr lang="fr-FR" sz="1400" dirty="0"/>
+                <a:t>TIAZARA</a:t>
+              </a:r>
+            </a:p>
+            <a:p>
+              <a:r>
+                <a:rPr lang="fr-FR" sz="1400" dirty="0"/>
+                <a:t>Gaëtan        </a:t>
+              </a:r>
+            </a:p>
+          </p:txBody>
+        </p:sp>
+        <p:sp>
+          <p:nvSpPr>
+            <p:cNvPr id="12" name="ZoneTexte 11">
+              <a:extLst>
+                <a:ext uri="{FF2B5EF4-FFF2-40B4-BE49-F238E27FC236}">
+                  <a16:creationId xmlns:a16="http://schemas.microsoft.com/office/drawing/2014/main" id="{DCBCAC7F-DAA3-4F9D-90AE-0EE0837CF287}"/>
+                </a:ext>
+              </a:extLst>
+            </p:cNvPr>
+            <p:cNvSpPr txBox="1"/>
+            <p:nvPr/>
+          </p:nvSpPr>
+          <p:spPr>
+            <a:xfrm>
+              <a:off x="5090294" y="5829478"/>
+              <a:ext cx="1289194" cy="738664"/>
+            </a:xfrm>
+            <a:prstGeom prst="rect">
+              <a:avLst/>
+            </a:prstGeom>
+            <a:noFill/>
+          </p:spPr>
+          <p:txBody>
+            <a:bodyPr wrap="square" rtlCol="0">
+              <a:spAutoFit/>
+            </a:bodyPr>
+            <a:lstStyle/>
+            <a:p>
+              <a:r>
+                <a:rPr lang="fr-FR" sz="1400" dirty="0"/>
+                <a:t>MERZOUK Gaya</a:t>
+              </a:r>
+            </a:p>
+            <a:p>
+              <a:endParaRPr lang="fr-FR" sz="1400" dirty="0"/>
+            </a:p>
+          </p:txBody>
+        </p:sp>
+        <p:sp>
+          <p:nvSpPr>
+            <p:cNvPr id="13" name="ZoneTexte 12">
+              <a:extLst>
+                <a:ext uri="{FF2B5EF4-FFF2-40B4-BE49-F238E27FC236}">
+                  <a16:creationId xmlns:a16="http://schemas.microsoft.com/office/drawing/2014/main" id="{A71A3BDE-BAD3-42F8-8FE7-C1988CF0687F}"/>
+                </a:ext>
+              </a:extLst>
+            </p:cNvPr>
+            <p:cNvSpPr txBox="1"/>
+            <p:nvPr/>
+          </p:nvSpPr>
+          <p:spPr>
+            <a:xfrm>
+              <a:off x="6721827" y="5838117"/>
+              <a:ext cx="1289194" cy="738664"/>
+            </a:xfrm>
+            <a:prstGeom prst="rect">
+              <a:avLst/>
+            </a:prstGeom>
+            <a:noFill/>
+          </p:spPr>
+          <p:txBody>
+            <a:bodyPr wrap="square" rtlCol="0">
+              <a:spAutoFit/>
+            </a:bodyPr>
+            <a:lstStyle/>
+            <a:p>
+              <a:r>
+                <a:rPr lang="fr-FR" sz="1400" dirty="0"/>
+                <a:t>TOURNIER Thibault</a:t>
+              </a:r>
+            </a:p>
+            <a:p>
+              <a:endParaRPr lang="fr-FR" sz="1400" dirty="0"/>
+            </a:p>
+          </p:txBody>
+        </p:sp>
+        <p:sp>
+          <p:nvSpPr>
+            <p:cNvPr id="14" name="ZoneTexte 13">
+              <a:extLst>
+                <a:ext uri="{FF2B5EF4-FFF2-40B4-BE49-F238E27FC236}">
+                  <a16:creationId xmlns:a16="http://schemas.microsoft.com/office/drawing/2014/main" id="{A2C063C0-67D3-4CAB-B63C-40F8A95A857C}"/>
+                </a:ext>
+              </a:extLst>
+            </p:cNvPr>
+            <p:cNvSpPr txBox="1"/>
+            <p:nvPr/>
+          </p:nvSpPr>
+          <p:spPr>
+            <a:xfrm>
+              <a:off x="1806544" y="5838117"/>
+              <a:ext cx="1289194" cy="738664"/>
+            </a:xfrm>
+            <a:prstGeom prst="rect">
+              <a:avLst/>
+            </a:prstGeom>
+            <a:noFill/>
+          </p:spPr>
+          <p:txBody>
+            <a:bodyPr wrap="square" rtlCol="0">
+              <a:spAutoFit/>
+            </a:bodyPr>
+            <a:lstStyle/>
+            <a:p>
+              <a:r>
+                <a:rPr lang="fr-FR" sz="1400" dirty="0"/>
+                <a:t>GALLARDO Cristobal</a:t>
+              </a:r>
+            </a:p>
+            <a:p>
+              <a:endParaRPr lang="fr-FR" sz="1400" dirty="0"/>
+            </a:p>
+          </p:txBody>
+        </p:sp>
+      </p:grpSp>
+      <p:sp>
+        <p:nvSpPr>
+          <p:cNvPr id="15" name="TextBox 14">
+            <a:extLst>
+              <a:ext uri="{FF2B5EF4-FFF2-40B4-BE49-F238E27FC236}">
+                <a16:creationId xmlns:a16="http://schemas.microsoft.com/office/drawing/2014/main" id="{4BDD5131-BE48-4597-8F3E-A64F70F33682}"/>
+              </a:ext>
+            </a:extLst>
+          </p:cNvPr>
+          <p:cNvSpPr txBox="1"/>
+          <p:nvPr/>
+        </p:nvSpPr>
+        <p:spPr>
+          <a:xfrm>
+            <a:off x="11425293" y="6478174"/>
+            <a:ext cx="766707" cy="276999"/>
+          </a:xfrm>
+          <a:prstGeom prst="rect">
+            <a:avLst/>
+          </a:prstGeom>
+          <a:noFill/>
+        </p:spPr>
+        <p:txBody>
+          <a:bodyPr wrap="square" rtlCol="0">
+            <a:spAutoFit/>
+          </a:bodyPr>
+          <a:lstStyle/>
+          <a:p>
+            <a:r>
+              <a:rPr lang="es-ES" sz="1200" dirty="0" err="1">
+                <a:solidFill>
+                  <a:schemeClr val="bg1"/>
+                </a:solidFill>
+                <a:highlight>
+                  <a:srgbClr val="000000"/>
+                </a:highlight>
+              </a:rPr>
+              <a:t>Slide</a:t>
+            </a:r>
+            <a:r>
+              <a:rPr lang="es-ES" sz="1200" dirty="0">
+                <a:solidFill>
+                  <a:schemeClr val="bg1"/>
+                </a:solidFill>
+                <a:highlight>
+                  <a:srgbClr val="000000"/>
+                </a:highlight>
+              </a:rPr>
+              <a:t> #</a:t>
+            </a:r>
+            <a:fld id="{E4BFFA03-8967-4DF2-A787-DF27C88B15DD}" type="slidenum">
+              <a:rPr lang="es-ES" sz="1200" smtClean="0">
+                <a:solidFill>
+                  <a:schemeClr val="bg1"/>
+                </a:solidFill>
+                <a:highlight>
+                  <a:srgbClr val="000000"/>
+                </a:highlight>
+              </a:rPr>
+              <a:t>9</a:t>
+            </a:fld>
+            <a:endParaRPr lang="fr-FR" sz="1200" dirty="0">
+              <a:solidFill>
+                <a:schemeClr val="bg1"/>
+              </a:solidFill>
+              <a:highlight>
+                <a:srgbClr val="000000"/>
+              </a:highlight>
+            </a:endParaRPr>
+          </a:p>
+        </p:txBody>
+      </p:sp>
+    </p:spTree>
+    <p:extLst>
+      <p:ext uri="{BB962C8B-B14F-4D97-AF65-F5344CB8AC3E}">
+        <p14:creationId xmlns:p14="http://schemas.microsoft.com/office/powerpoint/2010/main" val="2838289505"/>
       </p:ext>
     </p:extLst>
   </p:cSld>
@@ -16042,4 +16501,299 @@
     </a:ext>
   </a:extLst>
 </a:theme>
+</file>
+
+<file path=ppt/theme/theme2.xml><?xml version="1.0" encoding="utf-8"?>
+<a:theme xmlns:a="http://schemas.openxmlformats.org/drawingml/2006/main" name="Office Theme">
+  <a:themeElements>
+    <a:clrScheme name="Office">
+      <a:dk1>
+        <a:sysClr val="windowText" lastClr="000000"/>
+      </a:dk1>
+      <a:lt1>
+        <a:sysClr val="window" lastClr="FFFFFF"/>
+      </a:lt1>
+      <a:dk2>
+        <a:srgbClr val="44546A"/>
+      </a:dk2>
+      <a:lt2>
+        <a:srgbClr val="E7E6E6"/>
+      </a:lt2>
+      <a:accent1>
+        <a:srgbClr val="4472C4"/>
+      </a:accent1>
+      <a:accent2>
+        <a:srgbClr val="ED7D31"/>
+      </a:accent2>
+      <a:accent3>
+        <a:srgbClr val="A5A5A5"/>
+      </a:accent3>
+      <a:accent4>
+        <a:srgbClr val="FFC000"/>
+      </a:accent4>
+      <a:accent5>
+        <a:srgbClr val="5B9BD5"/>
+      </a:accent5>
+      <a:accent6>
+        <a:srgbClr val="70AD47"/>
+      </a:accent6>
+      <a:hlink>
+        <a:srgbClr val="0563C1"/>
+      </a:hlink>
+      <a:folHlink>
+        <a:srgbClr val="954F72"/>
+      </a:folHlink>
+    </a:clrScheme>
+    <a:fontScheme name="Office">
+      <a:majorFont>
+        <a:latin typeface="Calibri Light" panose="020F0302020204030204"/>
+        <a:ea typeface=""/>
+        <a:cs typeface=""/>
+        <a:font script="Jpan" typeface="游ゴシック Light"/>
+        <a:font script="Hang" typeface="맑은 고딕"/>
+        <a:font script="Hans" typeface="等线 Light"/>
+        <a:font script="Hant" typeface="新細明體"/>
+        <a:font script="Arab" typeface="Times New Roman"/>
+        <a:font script="Hebr" typeface="Times New Roman"/>
+        <a:font script="Thai" typeface="Angsana New"/>
+        <a:font script="Ethi" typeface="Nyala"/>
+        <a:font script="Beng" typeface="Vrinda"/>
+        <a:font script="Gujr" typeface="Shruti"/>
+        <a:font script="Khmr" typeface="MoolBoran"/>
+        <a:font script="Knda" typeface="Tunga"/>
+        <a:font script="Guru" typeface="Raavi"/>
+        <a:font script="Cans" typeface="Euphemia"/>
+        <a:font script="Cher" typeface="Plantagenet Cherokee"/>
+        <a:font script="Yiii" typeface="Microsoft Yi Baiti"/>
+        <a:font script="Tibt" typeface="Microsoft Himalaya"/>
+        <a:font script="Thaa" typeface="MV Boli"/>
+        <a:font script="Deva" typeface="Mangal"/>
+        <a:font script="Telu" typeface="Gautami"/>
+        <a:font script="Taml" typeface="Latha"/>
+        <a:font script="Syrc" typeface="Estrangelo Edessa"/>
+        <a:font script="Orya" typeface="Kalinga"/>
+        <a:font script="Mlym" typeface="Kartika"/>
+        <a:font script="Laoo" typeface="DokChampa"/>
+        <a:font script="Sinh" typeface="Iskoola Pota"/>
+        <a:font script="Mong" typeface="Mongolian Baiti"/>
+        <a:font script="Viet" typeface="Times New Roman"/>
+        <a:font script="Uigh" typeface="Microsoft Uighur"/>
+        <a:font script="Geor" typeface="Sylfaen"/>
+        <a:font script="Armn" typeface="Arial"/>
+        <a:font script="Bugi" typeface="Leelawadee UI"/>
+        <a:font script="Bopo" typeface="Microsoft JhengHei"/>
+        <a:font script="Java" typeface="Javanese Text"/>
+        <a:font script="Lisu" typeface="Segoe UI"/>
+        <a:font script="Mymr" typeface="Myanmar Text"/>
+        <a:font script="Nkoo" typeface="Ebrima"/>
+        <a:font script="Olck" typeface="Nirmala UI"/>
+        <a:font script="Osma" typeface="Ebrima"/>
+        <a:font script="Phag" typeface="Phagspa"/>
+        <a:font script="Syrn" typeface="Estrangelo Edessa"/>
+        <a:font script="Syrj" typeface="Estrangelo Edessa"/>
+        <a:font script="Syre" typeface="Estrangelo Edessa"/>
+        <a:font script="Sora" typeface="Nirmala UI"/>
+        <a:font script="Tale" typeface="Microsoft Tai Le"/>
+        <a:font script="Talu" typeface="Microsoft New Tai Lue"/>
+        <a:font script="Tfng" typeface="Ebrima"/>
+      </a:majorFont>
+      <a:minorFont>
+        <a:latin typeface="Calibri" panose="020F0502020204030204"/>
+        <a:ea typeface=""/>
+        <a:cs typeface=""/>
+        <a:font script="Jpan" typeface="游ゴシック"/>
+        <a:font script="Hang" typeface="맑은 고딕"/>
+        <a:font script="Hans" typeface="等线"/>
+        <a:font script="Hant" typeface="新細明體"/>
+        <a:font script="Arab" typeface="Arial"/>
+        <a:font script="Hebr" typeface="Arial"/>
+        <a:font script="Thai" typeface="Cordia New"/>
+        <a:font script="Ethi" typeface="Nyala"/>
+        <a:font script="Beng" typeface="Vrinda"/>
+        <a:font script="Gujr" typeface="Shruti"/>
+        <a:font script="Khmr" typeface="DaunPenh"/>
+        <a:font script="Knda" typeface="Tunga"/>
+        <a:font script="Guru" typeface="Raavi"/>
+        <a:font script="Cans" typeface="Euphemia"/>
+        <a:font script="Cher" typeface="Plantagenet Cherokee"/>
+        <a:font script="Yiii" typeface="Microsoft Yi Baiti"/>
+        <a:font script="Tibt" typeface="Microsoft Himalaya"/>
+        <a:font script="Thaa" typeface="MV Boli"/>
+        <a:font script="Deva" typeface="Mangal"/>
+        <a:font script="Telu" typeface="Gautami"/>
+        <a:font script="Taml" typeface="Latha"/>
+        <a:font script="Syrc" typeface="Estrangelo Edessa"/>
+        <a:font script="Orya" typeface="Kalinga"/>
+        <a:font script="Mlym" typeface="Kartika"/>
+        <a:font script="Laoo" typeface="DokChampa"/>
+        <a:font script="Sinh" typeface="Iskoola Pota"/>
+        <a:font script="Mong" typeface="Mongolian Baiti"/>
+        <a:font script="Viet" typeface="Arial"/>
+        <a:font script="Uigh" typeface="Microsoft Uighur"/>
+        <a:font script="Geor" typeface="Sylfaen"/>
+        <a:font script="Armn" typeface="Arial"/>
+        <a:font script="Bugi" typeface="Leelawadee UI"/>
+        <a:font script="Bopo" typeface="Microsoft JhengHei"/>
+        <a:font script="Java" typeface="Javanese Text"/>
+        <a:font script="Lisu" typeface="Segoe UI"/>
+        <a:font script="Mymr" typeface="Myanmar Text"/>
+        <a:font script="Nkoo" typeface="Ebrima"/>
+        <a:font script="Olck" typeface="Nirmala UI"/>
+        <a:font script="Osma" typeface="Ebrima"/>
+        <a:font script="Phag" typeface="Phagspa"/>
+        <a:font script="Syrn" typeface="Estrangelo Edessa"/>
+        <a:font script="Syrj" typeface="Estrangelo Edessa"/>
+        <a:font script="Syre" typeface="Estrangelo Edessa"/>
+        <a:font script="Sora" typeface="Nirmala UI"/>
+        <a:font script="Tale" typeface="Microsoft Tai Le"/>
+        <a:font script="Talu" typeface="Microsoft New Tai Lue"/>
+        <a:font script="Tfng" typeface="Ebrima"/>
+      </a:minorFont>
+    </a:fontScheme>
+    <a:fmtScheme name="Office">
+      <a:fillStyleLst>
+        <a:solidFill>
+          <a:schemeClr val="phClr"/>
+        </a:solidFill>
+        <a:gradFill rotWithShape="1">
+          <a:gsLst>
+            <a:gs pos="0">
+              <a:schemeClr val="phClr">
+                <a:lumMod val="110000"/>
+                <a:satMod val="105000"/>
+                <a:tint val="67000"/>
+              </a:schemeClr>
+            </a:gs>
+            <a:gs pos="50000">
+              <a:schemeClr val="phClr">
+                <a:lumMod val="105000"/>
+                <a:satMod val="103000"/>
+                <a:tint val="73000"/>
+              </a:schemeClr>
+            </a:gs>
+            <a:gs pos="100000">
+              <a:schemeClr val="phClr">
+                <a:lumMod val="105000"/>
+                <a:satMod val="109000"/>
+                <a:tint val="81000"/>
+              </a:schemeClr>
+            </a:gs>
+          </a:gsLst>
+          <a:lin ang="5400000" scaled="0"/>
+        </a:gradFill>
+        <a:gradFill rotWithShape="1">
+          <a:gsLst>
+            <a:gs pos="0">
+              <a:schemeClr val="phClr">
+                <a:satMod val="103000"/>
+                <a:lumMod val="102000"/>
+                <a:tint val="94000"/>
+              </a:schemeClr>
+            </a:gs>
+            <a:gs pos="50000">
+              <a:schemeClr val="phClr">
+                <a:satMod val="110000"/>
+                <a:lumMod val="100000"/>
+                <a:shade val="100000"/>
+              </a:schemeClr>
+            </a:gs>
+            <a:gs pos="100000">
+              <a:schemeClr val="phClr">
+                <a:lumMod val="99000"/>
+                <a:satMod val="120000"/>
+                <a:shade val="78000"/>
+              </a:schemeClr>
+            </a:gs>
+          </a:gsLst>
+          <a:lin ang="5400000" scaled="0"/>
+        </a:gradFill>
+      </a:fillStyleLst>
+      <a:lnStyleLst>
+        <a:ln w="6350" cap="flat" cmpd="sng" algn="ctr">
+          <a:solidFill>
+            <a:schemeClr val="phClr"/>
+          </a:solidFill>
+          <a:prstDash val="solid"/>
+          <a:miter lim="800000"/>
+        </a:ln>
+        <a:ln w="12700" cap="flat" cmpd="sng" algn="ctr">
+          <a:solidFill>
+            <a:schemeClr val="phClr"/>
+          </a:solidFill>
+          <a:prstDash val="solid"/>
+          <a:miter lim="800000"/>
+        </a:ln>
+        <a:ln w="19050" cap="flat" cmpd="sng" algn="ctr">
+          <a:solidFill>
+            <a:schemeClr val="phClr"/>
+          </a:solidFill>
+          <a:prstDash val="solid"/>
+          <a:miter lim="800000"/>
+        </a:ln>
+      </a:lnStyleLst>
+      <a:effectStyleLst>
+        <a:effectStyle>
+          <a:effectLst/>
+        </a:effectStyle>
+        <a:effectStyle>
+          <a:effectLst/>
+        </a:effectStyle>
+        <a:effectStyle>
+          <a:effectLst>
+            <a:outerShdw blurRad="57150" dist="19050" dir="5400000" algn="ctr" rotWithShape="0">
+              <a:srgbClr val="000000">
+                <a:alpha val="63000"/>
+              </a:srgbClr>
+            </a:outerShdw>
+          </a:effectLst>
+        </a:effectStyle>
+      </a:effectStyleLst>
+      <a:bgFillStyleLst>
+        <a:solidFill>
+          <a:schemeClr val="phClr"/>
+        </a:solidFill>
+        <a:solidFill>
+          <a:schemeClr val="phClr">
+            <a:tint val="95000"/>
+            <a:satMod val="170000"/>
+          </a:schemeClr>
+        </a:solidFill>
+        <a:gradFill rotWithShape="1">
+          <a:gsLst>
+            <a:gs pos="0">
+              <a:schemeClr val="phClr">
+                <a:tint val="93000"/>
+                <a:satMod val="150000"/>
+                <a:shade val="98000"/>
+                <a:lumMod val="102000"/>
+              </a:schemeClr>
+            </a:gs>
+            <a:gs pos="50000">
+              <a:schemeClr val="phClr">
+                <a:tint val="98000"/>
+                <a:satMod val="130000"/>
+                <a:shade val="90000"/>
+                <a:lumMod val="103000"/>
+              </a:schemeClr>
+            </a:gs>
+            <a:gs pos="100000">
+              <a:schemeClr val="phClr">
+                <a:shade val="63000"/>
+                <a:satMod val="120000"/>
+              </a:schemeClr>
+            </a:gs>
+          </a:gsLst>
+          <a:lin ang="5400000" scaled="0"/>
+        </a:gradFill>
+      </a:bgFillStyleLst>
+    </a:fmtScheme>
+  </a:themeElements>
+  <a:objectDefaults/>
+  <a:extraClrSchemeLst/>
+  <a:extLst>
+    <a:ext uri="{05A4C25C-085E-4340-85A3-A5531E510DB2}">
+      <thm15:themeFamily xmlns:thm15="http://schemas.microsoft.com/office/thememl/2012/main" name="Office Theme" id="{62F939B6-93AF-4DB8-9C6B-D6C7DFDC589F}" vid="{4A3C46E8-61CC-4603-A589-7422A47A8E4A}"/>
+    </a:ext>
+  </a:extLst>
+</a:theme>
 </file>